--- a/Slide/BM_SAPO.TECH_Presentation.pptx
+++ b/Slide/BM_SAPO.TECH_Presentation.pptx
@@ -5,17 +5,19 @@
     <p:sldMasterId id="2147483648" r:id="rId1"/>
   </p:sldMasterIdLst>
   <p:notesMasterIdLst>
-    <p:notesMasterId r:id="rId10"/>
+    <p:notesMasterId r:id="rId12"/>
   </p:notesMasterIdLst>
   <p:sldIdLst>
     <p:sldId id="285" r:id="rId2"/>
     <p:sldId id="303" r:id="rId3"/>
     <p:sldId id="271" r:id="rId4"/>
-    <p:sldId id="286" r:id="rId5"/>
-    <p:sldId id="306" r:id="rId6"/>
-    <p:sldId id="304" r:id="rId7"/>
-    <p:sldId id="305" r:id="rId8"/>
-    <p:sldId id="273" r:id="rId9"/>
+    <p:sldId id="307" r:id="rId5"/>
+    <p:sldId id="308" r:id="rId6"/>
+    <p:sldId id="286" r:id="rId7"/>
+    <p:sldId id="306" r:id="rId8"/>
+    <p:sldId id="304" r:id="rId9"/>
+    <p:sldId id="305" r:id="rId10"/>
+    <p:sldId id="273" r:id="rId11"/>
   </p:sldIdLst>
   <p:sldSz cx="12192000" cy="6858000"/>
   <p:notesSz cx="6858000" cy="9144000"/>
@@ -216,7 +218,7 @@
             <a:fld id="{EC83B07B-13E9-4001-BA4F-15E73CFF0172}" type="datetimeFigureOut">
               <a:rPr lang="en-US" smtClean="0"/>
               <a:pPr/>
-              <a:t>1/17/2022</a:t>
+              <a:t>1/18/2022</a:t>
             </a:fld>
             <a:endParaRPr lang="en-US"/>
           </a:p>
@@ -728,7 +730,7 @@
             <a:fld id="{8C6C06E5-AB56-4BBF-B99C-E5A84AA1941F}" type="slidenum">
               <a:rPr lang="en-US" smtClean="0"/>
               <a:pPr/>
-              <a:t>7</a:t>
+              <a:t>9</a:t>
             </a:fld>
             <a:endParaRPr lang="en-US"/>
           </a:p>
@@ -891,7 +893,7 @@
             <a:fld id="{77D364F2-7C03-4CF8-B391-21AFFF254FC9}" type="datetimeFigureOut">
               <a:rPr lang="en-US" smtClean="0"/>
               <a:pPr/>
-              <a:t>1/17/2022</a:t>
+              <a:t>1/18/2022</a:t>
             </a:fld>
             <a:endParaRPr lang="en-US"/>
           </a:p>
@@ -1061,7 +1063,7 @@
             <a:fld id="{77D364F2-7C03-4CF8-B391-21AFFF254FC9}" type="datetimeFigureOut">
               <a:rPr lang="en-US" smtClean="0"/>
               <a:pPr/>
-              <a:t>1/17/2022</a:t>
+              <a:t>1/18/2022</a:t>
             </a:fld>
             <a:endParaRPr lang="en-US"/>
           </a:p>
@@ -1241,7 +1243,7 @@
             <a:fld id="{77D364F2-7C03-4CF8-B391-21AFFF254FC9}" type="datetimeFigureOut">
               <a:rPr lang="en-US" smtClean="0"/>
               <a:pPr/>
-              <a:t>1/17/2022</a:t>
+              <a:t>1/18/2022</a:t>
             </a:fld>
             <a:endParaRPr lang="en-US"/>
           </a:p>
@@ -1425,7 +1427,7 @@
             <a:fld id="{77D364F2-7C03-4CF8-B391-21AFFF254FC9}" type="datetimeFigureOut">
               <a:rPr lang="en-US" smtClean="0"/>
               <a:pPr/>
-              <a:t>1/17/2022</a:t>
+              <a:t>1/18/2022</a:t>
             </a:fld>
             <a:endParaRPr lang="en-US"/>
           </a:p>
@@ -1716,7 +1718,7 @@
             <a:fld id="{77D364F2-7C03-4CF8-B391-21AFFF254FC9}" type="datetimeFigureOut">
               <a:rPr lang="en-US" smtClean="0"/>
               <a:pPr/>
-              <a:t>1/17/2022</a:t>
+              <a:t>1/18/2022</a:t>
             </a:fld>
             <a:endParaRPr lang="en-US"/>
           </a:p>
@@ -1947,7 +1949,7 @@
             <a:fld id="{77D364F2-7C03-4CF8-B391-21AFFF254FC9}" type="datetimeFigureOut">
               <a:rPr lang="en-US" smtClean="0"/>
               <a:pPr/>
-              <a:t>1/17/2022</a:t>
+              <a:t>1/18/2022</a:t>
             </a:fld>
             <a:endParaRPr lang="en-US"/>
           </a:p>
@@ -2313,7 +2315,7 @@
             <a:fld id="{77D364F2-7C03-4CF8-B391-21AFFF254FC9}" type="datetimeFigureOut">
               <a:rPr lang="en-US" smtClean="0"/>
               <a:pPr/>
-              <a:t>1/17/2022</a:t>
+              <a:t>1/18/2022</a:t>
             </a:fld>
             <a:endParaRPr lang="en-US"/>
           </a:p>
@@ -2432,7 +2434,7 @@
             <a:fld id="{77D364F2-7C03-4CF8-B391-21AFFF254FC9}" type="datetimeFigureOut">
               <a:rPr lang="en-US" smtClean="0"/>
               <a:pPr/>
-              <a:t>1/17/2022</a:t>
+              <a:t>1/18/2022</a:t>
             </a:fld>
             <a:endParaRPr lang="en-US"/>
           </a:p>
@@ -2529,7 +2531,7 @@
             <a:fld id="{77D364F2-7C03-4CF8-B391-21AFFF254FC9}" type="datetimeFigureOut">
               <a:rPr lang="en-US" smtClean="0"/>
               <a:pPr/>
-              <a:t>1/17/2022</a:t>
+              <a:t>1/18/2022</a:t>
             </a:fld>
             <a:endParaRPr lang="en-US"/>
           </a:p>
@@ -2806,7 +2808,7 @@
             <a:fld id="{77D364F2-7C03-4CF8-B391-21AFFF254FC9}" type="datetimeFigureOut">
               <a:rPr lang="en-US" smtClean="0"/>
               <a:pPr/>
-              <a:t>1/17/2022</a:t>
+              <a:t>1/18/2022</a:t>
             </a:fld>
             <a:endParaRPr lang="en-US"/>
           </a:p>
@@ -3060,7 +3062,7 @@
             <a:fld id="{77D364F2-7C03-4CF8-B391-21AFFF254FC9}" type="datetimeFigureOut">
               <a:rPr lang="en-US" smtClean="0"/>
               <a:pPr/>
-              <a:t>1/17/2022</a:t>
+              <a:t>1/18/2022</a:t>
             </a:fld>
             <a:endParaRPr lang="en-US"/>
           </a:p>
@@ -3273,7 +3275,7 @@
             <a:fld id="{77D364F2-7C03-4CF8-B391-21AFFF254FC9}" type="datetimeFigureOut">
               <a:rPr lang="en-US" smtClean="0"/>
               <a:pPr/>
-              <a:t>1/17/2022</a:t>
+              <a:t>1/18/2022</a:t>
             </a:fld>
             <a:endParaRPr lang="en-US"/>
           </a:p>
@@ -3902,6 +3904,86 @@
 </p:sld>
 </file>
 
+<file path=ppt/slides/slide10.xml><?xml version="1.0" encoding="utf-8"?>
+<p:sld xmlns:a="http://schemas.openxmlformats.org/drawingml/2006/main" xmlns:r="http://schemas.openxmlformats.org/officeDocument/2006/relationships" xmlns:p="http://schemas.openxmlformats.org/presentationml/2006/main">
+  <p:cSld>
+    <p:bg>
+      <p:bgPr>
+        <a:blipFill dpi="0" rotWithShape="1">
+          <a:blip r:embed="rId2">
+            <a:lum/>
+          </a:blip>
+          <a:srcRect/>
+          <a:stretch>
+            <a:fillRect/>
+          </a:stretch>
+        </a:blipFill>
+        <a:effectLst/>
+      </p:bgPr>
+    </p:bg>
+    <p:spTree>
+      <p:nvGrpSpPr>
+        <p:cNvPr id="1" name=""/>
+        <p:cNvGrpSpPr/>
+        <p:nvPr/>
+      </p:nvGrpSpPr>
+      <p:grpSpPr>
+        <a:xfrm>
+          <a:off x="0" y="0"/>
+          <a:ext cx="0" cy="0"/>
+          <a:chOff x="0" y="0"/>
+          <a:chExt cx="0" cy="0"/>
+        </a:xfrm>
+      </p:grpSpPr>
+      <p:pic>
+        <p:nvPicPr>
+          <p:cNvPr id="2" name="Picture 1">
+            <a:extLst>
+              <a:ext uri="{FF2B5EF4-FFF2-40B4-BE49-F238E27FC236}">
+                <a16:creationId xmlns:a16="http://schemas.microsoft.com/office/drawing/2014/main" id="{D8D629EF-BFC1-7F48-AA7C-3A2B4049B746}"/>
+              </a:ext>
+            </a:extLst>
+          </p:cNvPr>
+          <p:cNvPicPr>
+            <a:picLocks noChangeAspect="1"/>
+          </p:cNvPicPr>
+          <p:nvPr/>
+        </p:nvPicPr>
+        <p:blipFill>
+          <a:blip r:embed="rId3" cstate="print">
+            <a:extLst>
+              <a:ext uri="{28A0092B-C50C-407E-A947-70E740481C1C}">
+                <a14:useLocalDpi xmlns:a14="http://schemas.microsoft.com/office/drawing/2010/main" val="0"/>
+              </a:ext>
+            </a:extLst>
+          </a:blip>
+          <a:stretch>
+            <a:fillRect/>
+          </a:stretch>
+        </p:blipFill>
+        <p:spPr>
+          <a:xfrm>
+            <a:off x="3937952" y="1810190"/>
+            <a:ext cx="2158048" cy="1132976"/>
+          </a:xfrm>
+          <a:prstGeom prst="rect">
+            <a:avLst/>
+          </a:prstGeom>
+        </p:spPr>
+      </p:pic>
+    </p:spTree>
+    <p:extLst>
+      <p:ext uri="{BB962C8B-B14F-4D97-AF65-F5344CB8AC3E}">
+        <p14:creationId xmlns:p14="http://schemas.microsoft.com/office/powerpoint/2010/main" val="2148942003"/>
+      </p:ext>
+    </p:extLst>
+  </p:cSld>
+  <p:clrMapOvr>
+    <a:masterClrMapping/>
+  </p:clrMapOvr>
+</p:sld>
+</file>
+
 <file path=ppt/slides/slide2.xml><?xml version="1.0" encoding="utf-8"?>
 <p:sld xmlns:a="http://schemas.openxmlformats.org/drawingml/2006/main" xmlns:r="http://schemas.openxmlformats.org/officeDocument/2006/relationships" xmlns:p="http://schemas.openxmlformats.org/presentationml/2006/main">
   <p:cSld>
@@ -4875,7 +4957,13 @@
       </p:grpSpPr>
       <p:sp>
         <p:nvSpPr>
-          <p:cNvPr id="3" name="Title 2"/>
+          <p:cNvPr id="6" name="Title 1">
+            <a:extLst>
+              <a:ext uri="{FF2B5EF4-FFF2-40B4-BE49-F238E27FC236}">
+                <a16:creationId xmlns:a16="http://schemas.microsoft.com/office/drawing/2014/main" id="{19135604-D085-499B-ACC4-750536965716}"/>
+              </a:ext>
+            </a:extLst>
+          </p:cNvPr>
           <p:cNvSpPr>
             <a:spLocks noGrp="1"/>
           </p:cNvSpPr>
@@ -4883,7 +4971,12 @@
             <p:ph type="title"/>
           </p:nvPr>
         </p:nvSpPr>
-        <p:spPr/>
+        <p:spPr>
+          <a:xfrm>
+            <a:off x="838200" y="365125"/>
+            <a:ext cx="10515600" cy="1325563"/>
+          </a:xfrm>
+        </p:spPr>
         <p:txBody>
           <a:bodyPr>
             <a:normAutofit/>
@@ -4894,19 +4987,31 @@
               <a:rPr lang="en-US" sz="4800" b="1" dirty="0" err="1">
                 <a:latin typeface="Calibri (Headings)"/>
               </a:rPr>
-              <a:t>Giải</a:t>
+              <a:t>Vấn</a:t>
             </a:r>
             <a:r>
               <a:rPr lang="en-US" sz="4800" b="1" dirty="0">
                 <a:latin typeface="Calibri (Headings)"/>
               </a:rPr>
-              <a:t> </a:t>
+              <a:t> đề cần </a:t>
             </a:r>
             <a:r>
               <a:rPr lang="en-US" sz="4800" b="1" dirty="0" err="1">
                 <a:latin typeface="Calibri (Headings)"/>
               </a:rPr>
-              <a:t>pháp</a:t>
+              <a:t>giải</a:t>
+            </a:r>
+            <a:r>
+              <a:rPr lang="en-US" sz="4800" b="1" dirty="0">
+                <a:latin typeface="Calibri (Headings)"/>
+              </a:rPr>
+              <a:t> </a:t>
+            </a:r>
+            <a:r>
+              <a:rPr lang="en-US" sz="4800" b="1" dirty="0" err="1">
+                <a:latin typeface="Calibri (Headings)"/>
+              </a:rPr>
+              <a:t>quyết</a:t>
             </a:r>
             <a:endParaRPr lang="en-US" sz="4800" b="1" dirty="0">
               <a:latin typeface="Calibri (Headings)"/>
@@ -4916,10 +5021,10 @@
       </p:sp>
       <p:sp>
         <p:nvSpPr>
-          <p:cNvPr id="4" name="TextBox 3">
+          <p:cNvPr id="7" name="TextBox 6">
             <a:extLst>
               <a:ext uri="{FF2B5EF4-FFF2-40B4-BE49-F238E27FC236}">
-                <a16:creationId xmlns:a16="http://schemas.microsoft.com/office/drawing/2014/main" id="{2F73C83C-C663-43AF-98BC-93CBB147A3D3}"/>
+                <a16:creationId xmlns:a16="http://schemas.microsoft.com/office/drawing/2014/main" id="{2E350783-6B20-4A38-A4DF-D12EC7D0CE54}"/>
               </a:ext>
             </a:extLst>
           </p:cNvPr>
@@ -4928,8 +5033,8 @@
         </p:nvSpPr>
         <p:spPr>
           <a:xfrm>
-            <a:off x="914400" y="1589315"/>
-            <a:ext cx="10330543" cy="3913059"/>
+            <a:off x="838200" y="1360715"/>
+            <a:ext cx="10330543" cy="5021055"/>
           </a:xfrm>
           <a:prstGeom prst="rect">
             <a:avLst/>
@@ -4950,138 +5055,549 @@
               <a:buChar char="•"/>
             </a:pPr>
             <a:r>
-              <a:rPr lang="en-US" sz="2400" dirty="0" err="1"/>
-              <a:t>Nhân</a:t>
-            </a:r>
-            <a:r>
-              <a:rPr lang="en-US" sz="2400" dirty="0"/>
-              <a:t> viên </a:t>
-            </a:r>
-            <a:r>
-              <a:rPr lang="en-US" sz="2400" dirty="0" err="1"/>
-              <a:t>kho</a:t>
-            </a:r>
-            <a:r>
-              <a:rPr lang="en-US" sz="2400" dirty="0"/>
-              <a:t>:</a:t>
-            </a:r>
-          </a:p>
-          <a:p>
-            <a:pPr marL="800100" lvl="1" indent="-342900">
-              <a:lnSpc>
-                <a:spcPct val="150000"/>
-              </a:lnSpc>
-              <a:buFont typeface="Arial" panose="020B0604020202020204" pitchFamily="34" charset="0"/>
-              <a:buChar char="•"/>
-            </a:pPr>
-            <a:r>
-              <a:rPr lang="en-US" sz="2400" dirty="0" err="1"/>
-              <a:t>Quản</a:t>
-            </a:r>
-            <a:r>
-              <a:rPr lang="en-US" sz="2400" dirty="0"/>
-              <a:t> </a:t>
-            </a:r>
-            <a:r>
-              <a:rPr lang="en-US" sz="2400" dirty="0" err="1"/>
+              <a:rPr lang="en-US" sz="2400" dirty="0" err="1">
+                <a:effectLst/>
+                <a:latin typeface="Calibri (Body)"/>
+                <a:ea typeface="Calibri" panose="020F0502020204030204" pitchFamily="34" charset="0"/>
+              </a:rPr>
+              <a:t>Khó</a:t>
+            </a:r>
+            <a:r>
+              <a:rPr lang="en-US" sz="2400" dirty="0">
+                <a:effectLst/>
+                <a:latin typeface="Calibri (Body)"/>
+                <a:ea typeface="Calibri" panose="020F0502020204030204" pitchFamily="34" charset="0"/>
+              </a:rPr>
+              <a:t> </a:t>
+            </a:r>
+            <a:r>
+              <a:rPr lang="en-US" sz="2400" dirty="0" err="1">
+                <a:effectLst/>
+                <a:latin typeface="Calibri (Body)"/>
+                <a:ea typeface="Calibri" panose="020F0502020204030204" pitchFamily="34" charset="0"/>
+              </a:rPr>
+              <a:t>khăn</a:t>
+            </a:r>
+            <a:r>
+              <a:rPr lang="en-US" sz="2400" dirty="0">
+                <a:effectLst/>
+                <a:latin typeface="Calibri (Body)"/>
+                <a:ea typeface="Calibri" panose="020F0502020204030204" pitchFamily="34" charset="0"/>
+              </a:rPr>
+              <a:t> trong </a:t>
+            </a:r>
+            <a:r>
+              <a:rPr lang="en-US" sz="2400" dirty="0" err="1">
+                <a:effectLst/>
+                <a:latin typeface="Calibri (Body)"/>
+                <a:ea typeface="Calibri" panose="020F0502020204030204" pitchFamily="34" charset="0"/>
+              </a:rPr>
+              <a:t>quản</a:t>
+            </a:r>
+            <a:r>
+              <a:rPr lang="en-US" sz="2400" dirty="0">
+                <a:effectLst/>
+                <a:latin typeface="Calibri (Body)"/>
+                <a:ea typeface="Calibri" panose="020F0502020204030204" pitchFamily="34" charset="0"/>
+              </a:rPr>
+              <a:t> </a:t>
+            </a:r>
+            <a:r>
+              <a:rPr lang="en-US" sz="2400" dirty="0" err="1">
+                <a:effectLst/>
+                <a:latin typeface="Calibri (Body)"/>
+                <a:ea typeface="Calibri" panose="020F0502020204030204" pitchFamily="34" charset="0"/>
+              </a:rPr>
               <a:t>lý</a:t>
             </a:r>
             <a:r>
-              <a:rPr lang="en-US" sz="2400" dirty="0"/>
-              <a:t> đơn </a:t>
-            </a:r>
-            <a:r>
-              <a:rPr lang="en-US" sz="2400" dirty="0" err="1"/>
+              <a:rPr lang="en-US" sz="2400" dirty="0">
+                <a:effectLst/>
+                <a:latin typeface="Calibri (Body)"/>
+                <a:ea typeface="Calibri" panose="020F0502020204030204" pitchFamily="34" charset="0"/>
+              </a:rPr>
+              <a:t> tính </a:t>
+            </a:r>
+            <a:r>
+              <a:rPr lang="en-US" sz="2400" dirty="0" err="1">
+                <a:effectLst/>
+                <a:latin typeface="Calibri (Body)"/>
+                <a:ea typeface="Calibri" panose="020F0502020204030204" pitchFamily="34" charset="0"/>
+              </a:rPr>
+              <a:t>trạng</a:t>
+            </a:r>
+            <a:r>
+              <a:rPr lang="en-US" sz="2400" dirty="0">
+                <a:effectLst/>
+                <a:latin typeface="Calibri (Body)"/>
+                <a:ea typeface="Calibri" panose="020F0502020204030204" pitchFamily="34" charset="0"/>
+              </a:rPr>
+              <a:t> </a:t>
+            </a:r>
+            <a:r>
+              <a:rPr lang="en-US" sz="2400" dirty="0" err="1">
+                <a:effectLst/>
+                <a:latin typeface="Calibri (Body)"/>
+                <a:ea typeface="Calibri" panose="020F0502020204030204" pitchFamily="34" charset="0"/>
+              </a:rPr>
               <a:t>nhập</a:t>
             </a:r>
             <a:r>
-              <a:rPr lang="en-US" sz="2400" dirty="0"/>
-              <a:t> hàng</a:t>
-            </a:r>
-          </a:p>
-          <a:p>
-            <a:pPr marL="800100" lvl="1" indent="-342900">
-              <a:lnSpc>
-                <a:spcPct val="150000"/>
-              </a:lnSpc>
-              <a:buFont typeface="Arial" panose="020B0604020202020204" pitchFamily="34" charset="0"/>
-              <a:buChar char="•"/>
-            </a:pPr>
-            <a:r>
-              <a:rPr lang="en-US" sz="2400" dirty="0" err="1"/>
-              <a:t>Quản</a:t>
-            </a:r>
-            <a:r>
-              <a:rPr lang="en-US" sz="2400" dirty="0"/>
-              <a:t> </a:t>
-            </a:r>
-            <a:r>
-              <a:rPr lang="en-US" sz="2400" dirty="0" err="1"/>
+              <a:rPr lang="en-US" sz="2400" dirty="0">
+                <a:effectLst/>
+                <a:latin typeface="Calibri (Body)"/>
+                <a:ea typeface="Calibri" panose="020F0502020204030204" pitchFamily="34" charset="0"/>
+              </a:rPr>
+              <a:t> hàng. Một đơn </a:t>
+            </a:r>
+            <a:r>
+              <a:rPr lang="en-US" sz="2400" dirty="0" err="1">
+                <a:effectLst/>
+                <a:latin typeface="Calibri (Body)"/>
+                <a:ea typeface="Calibri" panose="020F0502020204030204" pitchFamily="34" charset="0"/>
+              </a:rPr>
+              <a:t>nhập</a:t>
+            </a:r>
+            <a:r>
+              <a:rPr lang="en-US" sz="2400" dirty="0">
+                <a:effectLst/>
+                <a:latin typeface="Calibri (Body)"/>
+                <a:ea typeface="Calibri" panose="020F0502020204030204" pitchFamily="34" charset="0"/>
+              </a:rPr>
+              <a:t> hàng có </a:t>
+            </a:r>
+            <a:r>
+              <a:rPr lang="en-US" sz="2400" dirty="0" err="1">
+                <a:effectLst/>
+                <a:latin typeface="Calibri (Body)"/>
+                <a:ea typeface="Calibri" panose="020F0502020204030204" pitchFamily="34" charset="0"/>
+              </a:rPr>
+              <a:t>những</a:t>
+            </a:r>
+            <a:r>
+              <a:rPr lang="en-US" sz="2400" dirty="0">
+                <a:effectLst/>
+                <a:latin typeface="Calibri (Body)"/>
+                <a:ea typeface="Calibri" panose="020F0502020204030204" pitchFamily="34" charset="0"/>
+              </a:rPr>
+              <a:t> tính </a:t>
+            </a:r>
+            <a:r>
+              <a:rPr lang="en-US" sz="2400" dirty="0" err="1">
+                <a:effectLst/>
+                <a:latin typeface="Calibri (Body)"/>
+                <a:ea typeface="Calibri" panose="020F0502020204030204" pitchFamily="34" charset="0"/>
+              </a:rPr>
+              <a:t>trạng</a:t>
+            </a:r>
+            <a:r>
+              <a:rPr lang="en-US" sz="2400" dirty="0">
+                <a:effectLst/>
+                <a:latin typeface="Calibri (Body)"/>
+                <a:ea typeface="Calibri" panose="020F0502020204030204" pitchFamily="34" charset="0"/>
+              </a:rPr>
+              <a:t> </a:t>
+            </a:r>
+            <a:r>
+              <a:rPr lang="en-US" sz="2400" dirty="0" err="1">
+                <a:effectLst/>
+                <a:latin typeface="Calibri (Body)"/>
+                <a:ea typeface="Calibri" panose="020F0502020204030204" pitchFamily="34" charset="0"/>
+              </a:rPr>
+              <a:t>như</a:t>
+            </a:r>
+            <a:r>
+              <a:rPr lang="en-US" sz="2400" dirty="0">
+                <a:effectLst/>
+                <a:latin typeface="Calibri (Body)"/>
+                <a:ea typeface="Calibri" panose="020F0502020204030204" pitchFamily="34" charset="0"/>
+              </a:rPr>
+              <a:t>: đơn </a:t>
+            </a:r>
+            <a:r>
+              <a:rPr lang="en-US" sz="2400" dirty="0" err="1">
+                <a:effectLst/>
+                <a:latin typeface="Calibri (Body)"/>
+                <a:ea typeface="Calibri" panose="020F0502020204030204" pitchFamily="34" charset="0"/>
+              </a:rPr>
+              <a:t>đang</a:t>
+            </a:r>
+            <a:r>
+              <a:rPr lang="en-US" sz="2400" dirty="0">
+                <a:effectLst/>
+                <a:latin typeface="Calibri (Body)"/>
+                <a:ea typeface="Calibri" panose="020F0502020204030204" pitchFamily="34" charset="0"/>
+              </a:rPr>
+              <a:t> </a:t>
+            </a:r>
+            <a:r>
+              <a:rPr lang="en-US" sz="2400" dirty="0" err="1">
+                <a:effectLst/>
+                <a:latin typeface="Calibri (Body)"/>
+                <a:ea typeface="Calibri" panose="020F0502020204030204" pitchFamily="34" charset="0"/>
+              </a:rPr>
+              <a:t>giao</a:t>
+            </a:r>
+            <a:r>
+              <a:rPr lang="en-US" sz="2400" dirty="0">
+                <a:effectLst/>
+                <a:latin typeface="Calibri (Body)"/>
+                <a:ea typeface="Calibri" panose="020F0502020204030204" pitchFamily="34" charset="0"/>
+              </a:rPr>
+              <a:t> </a:t>
+            </a:r>
+            <a:r>
+              <a:rPr lang="en-US" sz="2400" dirty="0" err="1">
+                <a:effectLst/>
+                <a:latin typeface="Calibri (Body)"/>
+                <a:ea typeface="Calibri" panose="020F0502020204030204" pitchFamily="34" charset="0"/>
+              </a:rPr>
+              <a:t>dịch</a:t>
+            </a:r>
+            <a:r>
+              <a:rPr lang="en-US" sz="2400" dirty="0">
+                <a:effectLst/>
+                <a:latin typeface="Calibri (Body)"/>
+                <a:ea typeface="Calibri" panose="020F0502020204030204" pitchFamily="34" charset="0"/>
+              </a:rPr>
+              <a:t>, đơn </a:t>
+            </a:r>
+            <a:r>
+              <a:rPr lang="en-US" sz="2400" dirty="0" err="1">
+                <a:effectLst/>
+                <a:latin typeface="Calibri (Body)"/>
+                <a:ea typeface="Calibri" panose="020F0502020204030204" pitchFamily="34" charset="0"/>
+              </a:rPr>
+              <a:t>đã</a:t>
+            </a:r>
+            <a:r>
+              <a:rPr lang="en-US" sz="2400" dirty="0">
+                <a:effectLst/>
+                <a:latin typeface="Calibri (Body)"/>
+                <a:ea typeface="Calibri" panose="020F0502020204030204" pitchFamily="34" charset="0"/>
+              </a:rPr>
+              <a:t> </a:t>
+            </a:r>
+            <a:r>
+              <a:rPr lang="en-US" sz="2400" dirty="0" err="1">
+                <a:effectLst/>
+                <a:latin typeface="Calibri (Body)"/>
+                <a:ea typeface="Calibri" panose="020F0502020204030204" pitchFamily="34" charset="0"/>
+              </a:rPr>
+              <a:t>hoàn</a:t>
+            </a:r>
+            <a:r>
+              <a:rPr lang="en-US" sz="2400" dirty="0">
+                <a:effectLst/>
+                <a:latin typeface="Calibri (Body)"/>
+                <a:ea typeface="Calibri" panose="020F0502020204030204" pitchFamily="34" charset="0"/>
+              </a:rPr>
+              <a:t> </a:t>
+            </a:r>
+            <a:r>
+              <a:rPr lang="en-US" sz="2400" dirty="0" err="1">
+                <a:effectLst/>
+                <a:latin typeface="Calibri (Body)"/>
+                <a:ea typeface="Calibri" panose="020F0502020204030204" pitchFamily="34" charset="0"/>
+              </a:rPr>
+              <a:t>thành</a:t>
+            </a:r>
+            <a:r>
+              <a:rPr lang="en-US" sz="2400" dirty="0">
+                <a:effectLst/>
+                <a:latin typeface="Calibri (Body)"/>
+                <a:ea typeface="Calibri" panose="020F0502020204030204" pitchFamily="34" charset="0"/>
+              </a:rPr>
+              <a:t> hoặc đơn </a:t>
+            </a:r>
+            <a:r>
+              <a:rPr lang="en-US" sz="2400" dirty="0" err="1">
+                <a:effectLst/>
+                <a:latin typeface="Calibri (Body)"/>
+                <a:ea typeface="Calibri" panose="020F0502020204030204" pitchFamily="34" charset="0"/>
+              </a:rPr>
+              <a:t>đã</a:t>
+            </a:r>
+            <a:r>
+              <a:rPr lang="en-US" sz="2400" dirty="0">
+                <a:effectLst/>
+                <a:latin typeface="Calibri (Body)"/>
+                <a:ea typeface="Calibri" panose="020F0502020204030204" pitchFamily="34" charset="0"/>
+              </a:rPr>
+              <a:t> </a:t>
+            </a:r>
+            <a:r>
+              <a:rPr lang="en-US" sz="2400" dirty="0" err="1">
+                <a:effectLst/>
+                <a:latin typeface="Calibri (Body)"/>
+                <a:ea typeface="Calibri" panose="020F0502020204030204" pitchFamily="34" charset="0"/>
+              </a:rPr>
+              <a:t>huỷ</a:t>
+            </a:r>
+            <a:r>
+              <a:rPr lang="en-US" sz="2400" dirty="0">
+                <a:effectLst/>
+                <a:latin typeface="Calibri (Body)"/>
+                <a:ea typeface="Calibri" panose="020F0502020204030204" pitchFamily="34" charset="0"/>
+              </a:rPr>
+              <a:t>. </a:t>
+            </a:r>
+            <a:r>
+              <a:rPr lang="en-US" sz="2400" dirty="0" err="1">
+                <a:effectLst/>
+                <a:latin typeface="Calibri (Body)"/>
+                <a:ea typeface="Calibri" panose="020F0502020204030204" pitchFamily="34" charset="0"/>
+              </a:rPr>
+              <a:t>Việc</a:t>
+            </a:r>
+            <a:r>
+              <a:rPr lang="en-US" sz="2400" dirty="0">
+                <a:effectLst/>
+                <a:latin typeface="Calibri (Body)"/>
+                <a:ea typeface="Calibri" panose="020F0502020204030204" pitchFamily="34" charset="0"/>
+              </a:rPr>
+              <a:t> </a:t>
+            </a:r>
+            <a:r>
+              <a:rPr lang="en-US" sz="2400" dirty="0" err="1">
+                <a:effectLst/>
+                <a:latin typeface="Calibri (Body)"/>
+                <a:ea typeface="Calibri" panose="020F0502020204030204" pitchFamily="34" charset="0"/>
+              </a:rPr>
+              <a:t>theo</a:t>
+            </a:r>
+            <a:r>
+              <a:rPr lang="en-US" sz="2400" dirty="0">
+                <a:effectLst/>
+                <a:latin typeface="Calibri (Body)"/>
+                <a:ea typeface="Calibri" panose="020F0502020204030204" pitchFamily="34" charset="0"/>
+              </a:rPr>
+              <a:t> </a:t>
+            </a:r>
+            <a:r>
+              <a:rPr lang="en-US" sz="2400" dirty="0" err="1">
+                <a:effectLst/>
+                <a:latin typeface="Calibri (Body)"/>
+                <a:ea typeface="Calibri" panose="020F0502020204030204" pitchFamily="34" charset="0"/>
+              </a:rPr>
+              <a:t>dõi</a:t>
+            </a:r>
+            <a:r>
+              <a:rPr lang="en-US" sz="2400" dirty="0">
+                <a:effectLst/>
+                <a:latin typeface="Calibri (Body)"/>
+                <a:ea typeface="Calibri" panose="020F0502020204030204" pitchFamily="34" charset="0"/>
+              </a:rPr>
+              <a:t> </a:t>
+            </a:r>
+            <a:r>
+              <a:rPr lang="en-US" sz="2400" dirty="0" err="1">
+                <a:effectLst/>
+                <a:latin typeface="Calibri (Body)"/>
+                <a:ea typeface="Calibri" panose="020F0502020204030204" pitchFamily="34" charset="0"/>
+              </a:rPr>
+              <a:t>tình</a:t>
+            </a:r>
+            <a:r>
+              <a:rPr lang="en-US" sz="2400" dirty="0">
+                <a:effectLst/>
+                <a:latin typeface="Calibri (Body)"/>
+                <a:ea typeface="Calibri" panose="020F0502020204030204" pitchFamily="34" charset="0"/>
+              </a:rPr>
+              <a:t> </a:t>
+            </a:r>
+            <a:r>
+              <a:rPr lang="en-US" sz="2400" dirty="0" err="1">
+                <a:effectLst/>
+                <a:latin typeface="Calibri (Body)"/>
+                <a:ea typeface="Calibri" panose="020F0502020204030204" pitchFamily="34" charset="0"/>
+              </a:rPr>
+              <a:t>trạng</a:t>
+            </a:r>
+            <a:r>
+              <a:rPr lang="en-US" sz="2400" dirty="0">
+                <a:effectLst/>
+                <a:latin typeface="Calibri (Body)"/>
+                <a:ea typeface="Calibri" panose="020F0502020204030204" pitchFamily="34" charset="0"/>
+              </a:rPr>
+              <a:t> đơn hàng </a:t>
+            </a:r>
+            <a:r>
+              <a:rPr lang="en-US" sz="2400" dirty="0" err="1">
+                <a:effectLst/>
+                <a:latin typeface="Calibri (Body)"/>
+                <a:ea typeface="Calibri" panose="020F0502020204030204" pitchFamily="34" charset="0"/>
+              </a:rPr>
+              <a:t>rất</a:t>
+            </a:r>
+            <a:r>
+              <a:rPr lang="en-US" sz="2400" dirty="0">
+                <a:effectLst/>
+                <a:latin typeface="Calibri (Body)"/>
+                <a:ea typeface="Calibri" panose="020F0502020204030204" pitchFamily="34" charset="0"/>
+              </a:rPr>
+              <a:t> </a:t>
+            </a:r>
+            <a:r>
+              <a:rPr lang="en-US" sz="2400" dirty="0" err="1">
+                <a:effectLst/>
+                <a:latin typeface="Calibri (Body)"/>
+                <a:ea typeface="Calibri" panose="020F0502020204030204" pitchFamily="34" charset="0"/>
+              </a:rPr>
+              <a:t>dễ</a:t>
+            </a:r>
+            <a:r>
+              <a:rPr lang="en-US" sz="2400" dirty="0">
+                <a:effectLst/>
+                <a:latin typeface="Calibri (Body)"/>
+                <a:ea typeface="Calibri" panose="020F0502020204030204" pitchFamily="34" charset="0"/>
+              </a:rPr>
+              <a:t> </a:t>
+            </a:r>
+            <a:r>
+              <a:rPr lang="en-US" sz="2400" dirty="0" err="1">
+                <a:effectLst/>
+                <a:latin typeface="Calibri (Body)"/>
+                <a:ea typeface="Calibri" panose="020F0502020204030204" pitchFamily="34" charset="0"/>
+              </a:rPr>
+              <a:t>xảy</a:t>
+            </a:r>
+            <a:r>
+              <a:rPr lang="en-US" sz="2400" dirty="0">
+                <a:effectLst/>
+                <a:latin typeface="Calibri (Body)"/>
+                <a:ea typeface="Calibri" panose="020F0502020204030204" pitchFamily="34" charset="0"/>
+              </a:rPr>
+              <a:t> ra </a:t>
+            </a:r>
+            <a:r>
+              <a:rPr lang="en-US" sz="2400" dirty="0" err="1">
+                <a:effectLst/>
+                <a:latin typeface="Calibri (Body)"/>
+                <a:ea typeface="Calibri" panose="020F0502020204030204" pitchFamily="34" charset="0"/>
+              </a:rPr>
+              <a:t>sai</a:t>
+            </a:r>
+            <a:r>
+              <a:rPr lang="en-US" sz="2400" dirty="0">
+                <a:effectLst/>
+                <a:latin typeface="Calibri (Body)"/>
+                <a:ea typeface="Calibri" panose="020F0502020204030204" pitchFamily="34" charset="0"/>
+              </a:rPr>
+              <a:t> </a:t>
+            </a:r>
+            <a:r>
+              <a:rPr lang="en-US" sz="2400" dirty="0" err="1">
+                <a:effectLst/>
+                <a:latin typeface="Calibri (Body)"/>
+                <a:ea typeface="Calibri" panose="020F0502020204030204" pitchFamily="34" charset="0"/>
+              </a:rPr>
+              <a:t>sót</a:t>
+            </a:r>
+            <a:r>
+              <a:rPr lang="en-US" sz="2400" dirty="0">
+                <a:effectLst/>
+                <a:latin typeface="Calibri (Body)"/>
+                <a:ea typeface="Calibri" panose="020F0502020204030204" pitchFamily="34" charset="0"/>
+              </a:rPr>
+              <a:t> </a:t>
+            </a:r>
+            <a:r>
+              <a:rPr lang="en-US" sz="2400" dirty="0" err="1">
+                <a:effectLst/>
+                <a:latin typeface="Calibri (Body)"/>
+                <a:ea typeface="Calibri" panose="020F0502020204030204" pitchFamily="34" charset="0"/>
+              </a:rPr>
+              <a:t>nếu</a:t>
+            </a:r>
+            <a:r>
+              <a:rPr lang="en-US" sz="2400" dirty="0">
+                <a:effectLst/>
+                <a:latin typeface="Calibri (Body)"/>
+                <a:ea typeface="Calibri" panose="020F0502020204030204" pitchFamily="34" charset="0"/>
+              </a:rPr>
+              <a:t> </a:t>
+            </a:r>
+            <a:r>
+              <a:rPr lang="en-US" sz="2400" dirty="0" err="1">
+                <a:effectLst/>
+                <a:latin typeface="Calibri (Body)"/>
+                <a:ea typeface="Calibri" panose="020F0502020204030204" pitchFamily="34" charset="0"/>
+              </a:rPr>
+              <a:t>chỉ</a:t>
+            </a:r>
+            <a:r>
+              <a:rPr lang="en-US" sz="2400" dirty="0">
+                <a:effectLst/>
+                <a:latin typeface="Calibri (Body)"/>
+                <a:ea typeface="Calibri" panose="020F0502020204030204" pitchFamily="34" charset="0"/>
+              </a:rPr>
+              <a:t> </a:t>
+            </a:r>
+            <a:r>
+              <a:rPr lang="en-US" sz="2400" dirty="0" err="1">
+                <a:effectLst/>
+                <a:latin typeface="Calibri (Body)"/>
+                <a:ea typeface="Calibri" panose="020F0502020204030204" pitchFamily="34" charset="0"/>
+              </a:rPr>
+              <a:t>xử</a:t>
+            </a:r>
+            <a:r>
+              <a:rPr lang="en-US" sz="2400" dirty="0">
+                <a:effectLst/>
+                <a:latin typeface="Calibri (Body)"/>
+                <a:ea typeface="Calibri" panose="020F0502020204030204" pitchFamily="34" charset="0"/>
+              </a:rPr>
+              <a:t> </a:t>
+            </a:r>
+            <a:r>
+              <a:rPr lang="en-US" sz="2400" dirty="0" err="1">
+                <a:effectLst/>
+                <a:latin typeface="Calibri (Body)"/>
+                <a:ea typeface="Calibri" panose="020F0502020204030204" pitchFamily="34" charset="0"/>
+              </a:rPr>
               <a:t>lý</a:t>
             </a:r>
             <a:r>
-              <a:rPr lang="en-US" sz="2400" dirty="0"/>
-              <a:t> </a:t>
-            </a:r>
-            <a:r>
-              <a:rPr lang="en-US" sz="2400" dirty="0" err="1"/>
-              <a:t>sản</a:t>
-            </a:r>
-            <a:r>
-              <a:rPr lang="en-US" sz="2400" dirty="0"/>
-              <a:t> </a:t>
-            </a:r>
-            <a:r>
-              <a:rPr lang="en-US" sz="2400" dirty="0" err="1"/>
-              <a:t>phẩm</a:t>
-            </a:r>
-            <a:endParaRPr lang="en-US" sz="2400" dirty="0"/>
-          </a:p>
-          <a:p>
-            <a:pPr marL="800100" lvl="1" indent="-342900">
-              <a:lnSpc>
-                <a:spcPct val="150000"/>
-              </a:lnSpc>
-              <a:buFont typeface="Arial" panose="020B0604020202020204" pitchFamily="34" charset="0"/>
-              <a:buChar char="•"/>
-            </a:pPr>
-            <a:r>
-              <a:rPr lang="en-US" sz="2400" dirty="0" err="1"/>
-              <a:t>Quản</a:t>
-            </a:r>
-            <a:r>
-              <a:rPr lang="en-US" sz="2400" dirty="0"/>
-              <a:t> </a:t>
-            </a:r>
-            <a:r>
-              <a:rPr lang="en-US" sz="2400" dirty="0" err="1"/>
-              <a:t>lý</a:t>
-            </a:r>
-            <a:r>
-              <a:rPr lang="en-US" sz="2400" dirty="0"/>
-              <a:t> </a:t>
-            </a:r>
-            <a:r>
-              <a:rPr lang="en-US" sz="2400" dirty="0" err="1"/>
-              <a:t>nhà</a:t>
-            </a:r>
-            <a:r>
-              <a:rPr lang="en-US" sz="2400" dirty="0"/>
-              <a:t> </a:t>
-            </a:r>
-            <a:r>
-              <a:rPr lang="en-US" sz="2400" dirty="0" err="1"/>
-              <a:t>cung</a:t>
-            </a:r>
-            <a:r>
-              <a:rPr lang="en-US" sz="2400" dirty="0"/>
-              <a:t> </a:t>
-            </a:r>
-            <a:r>
-              <a:rPr lang="en-US" sz="2400" dirty="0" err="1"/>
-              <a:t>cấp</a:t>
-            </a:r>
-            <a:endParaRPr lang="en-US" sz="2400" dirty="0"/>
+              <a:rPr lang="en-US" sz="2400" dirty="0">
+                <a:effectLst/>
+                <a:latin typeface="Calibri (Body)"/>
+                <a:ea typeface="Calibri" panose="020F0502020204030204" pitchFamily="34" charset="0"/>
+              </a:rPr>
+              <a:t> </a:t>
+            </a:r>
+            <a:r>
+              <a:rPr lang="en-US" sz="2400" dirty="0" err="1">
+                <a:effectLst/>
+                <a:latin typeface="Calibri (Body)"/>
+                <a:ea typeface="Calibri" panose="020F0502020204030204" pitchFamily="34" charset="0"/>
+              </a:rPr>
+              <a:t>thủ</a:t>
+            </a:r>
+            <a:r>
+              <a:rPr lang="en-US" sz="2400" dirty="0">
+                <a:effectLst/>
+                <a:latin typeface="Calibri (Body)"/>
+                <a:ea typeface="Calibri" panose="020F0502020204030204" pitchFamily="34" charset="0"/>
+              </a:rPr>
+              <a:t> </a:t>
+            </a:r>
+            <a:r>
+              <a:rPr lang="en-US" sz="2400" dirty="0" err="1">
+                <a:effectLst/>
+                <a:latin typeface="Calibri (Body)"/>
+                <a:ea typeface="Calibri" panose="020F0502020204030204" pitchFamily="34" charset="0"/>
+              </a:rPr>
+              <a:t>công</a:t>
+            </a:r>
+            <a:r>
+              <a:rPr lang="en-US" sz="2400" dirty="0">
+                <a:effectLst/>
+                <a:latin typeface="Calibri (Body)"/>
+                <a:ea typeface="Calibri" panose="020F0502020204030204" pitchFamily="34" charset="0"/>
+              </a:rPr>
+              <a:t>.</a:t>
+            </a:r>
           </a:p>
           <a:p>
             <a:pPr marL="342900" indent="-342900">
@@ -5092,49 +5608,308 @@
               <a:buChar char="•"/>
             </a:pPr>
             <a:r>
-              <a:rPr lang="en-US" sz="2400" dirty="0" err="1"/>
-              <a:t>Kế</a:t>
-            </a:r>
-            <a:r>
-              <a:rPr lang="en-US" sz="2400" dirty="0"/>
-              <a:t> </a:t>
-            </a:r>
-            <a:r>
-              <a:rPr lang="en-US" sz="2400" dirty="0" err="1"/>
-              <a:t>toán</a:t>
-            </a:r>
-            <a:r>
-              <a:rPr lang="en-US" sz="2400" dirty="0"/>
-              <a:t>:</a:t>
-            </a:r>
-          </a:p>
-          <a:p>
-            <a:pPr marL="800100" lvl="1" indent="-342900">
-              <a:lnSpc>
-                <a:spcPct val="150000"/>
-              </a:lnSpc>
-              <a:buFont typeface="Arial" panose="020B0604020202020204" pitchFamily="34" charset="0"/>
-              <a:buChar char="•"/>
-            </a:pPr>
-            <a:r>
-              <a:rPr lang="en-US" sz="2400" dirty="0"/>
-              <a:t>Thanh </a:t>
-            </a:r>
-            <a:r>
-              <a:rPr lang="en-US" sz="2400" dirty="0" err="1"/>
-              <a:t>toán</a:t>
-            </a:r>
-            <a:r>
-              <a:rPr lang="en-US" sz="2400" dirty="0"/>
-              <a:t> đơn </a:t>
-            </a:r>
-            <a:r>
-              <a:rPr lang="en-US" sz="2400" dirty="0" err="1"/>
+              <a:rPr lang="en-US" sz="2400" dirty="0" err="1">
+                <a:effectLst/>
+                <a:latin typeface="Calibri (Body)"/>
+                <a:ea typeface="Calibri" panose="020F0502020204030204" pitchFamily="34" charset="0"/>
+              </a:rPr>
+              <a:t>Khó</a:t>
+            </a:r>
+            <a:r>
+              <a:rPr lang="en-US" sz="2400" dirty="0">
+                <a:effectLst/>
+                <a:latin typeface="Calibri (Body)"/>
+                <a:ea typeface="Calibri" panose="020F0502020204030204" pitchFamily="34" charset="0"/>
+              </a:rPr>
+              <a:t> </a:t>
+            </a:r>
+            <a:r>
+              <a:rPr lang="en-US" sz="2400" dirty="0" err="1">
+                <a:effectLst/>
+                <a:latin typeface="Calibri (Body)"/>
+                <a:ea typeface="Calibri" panose="020F0502020204030204" pitchFamily="34" charset="0"/>
+              </a:rPr>
+              <a:t>khăn</a:t>
+            </a:r>
+            <a:r>
+              <a:rPr lang="en-US" sz="2400" dirty="0">
+                <a:effectLst/>
+                <a:latin typeface="Calibri (Body)"/>
+                <a:ea typeface="Calibri" panose="020F0502020204030204" pitchFamily="34" charset="0"/>
+              </a:rPr>
+              <a:t> trong </a:t>
+            </a:r>
+            <a:r>
+              <a:rPr lang="en-US" sz="2400" dirty="0" err="1">
+                <a:effectLst/>
+                <a:latin typeface="Calibri (Body)"/>
+                <a:ea typeface="Calibri" panose="020F0502020204030204" pitchFamily="34" charset="0"/>
+              </a:rPr>
+              <a:t>khâu</a:t>
+            </a:r>
+            <a:r>
+              <a:rPr lang="en-US" sz="2400" dirty="0">
+                <a:effectLst/>
+                <a:latin typeface="Calibri (Body)"/>
+                <a:ea typeface="Calibri" panose="020F0502020204030204" pitchFamily="34" charset="0"/>
+              </a:rPr>
+              <a:t> </a:t>
+            </a:r>
+            <a:r>
+              <a:rPr lang="en-US" sz="2400" dirty="0" err="1">
+                <a:effectLst/>
+                <a:latin typeface="Calibri (Body)"/>
+                <a:ea typeface="Calibri" panose="020F0502020204030204" pitchFamily="34" charset="0"/>
+              </a:rPr>
+              <a:t>quản</a:t>
+            </a:r>
+            <a:r>
+              <a:rPr lang="en-US" sz="2400" dirty="0">
+                <a:effectLst/>
+                <a:latin typeface="Calibri (Body)"/>
+                <a:ea typeface="Calibri" panose="020F0502020204030204" pitchFamily="34" charset="0"/>
+              </a:rPr>
+              <a:t> </a:t>
+            </a:r>
+            <a:r>
+              <a:rPr lang="en-US" sz="2400" dirty="0" err="1">
+                <a:effectLst/>
+                <a:latin typeface="Calibri (Body)"/>
+                <a:ea typeface="Calibri" panose="020F0502020204030204" pitchFamily="34" charset="0"/>
+              </a:rPr>
+              <a:t>lý</a:t>
+            </a:r>
+            <a:r>
+              <a:rPr lang="en-US" sz="2400" dirty="0">
+                <a:effectLst/>
+                <a:latin typeface="Calibri (Body)"/>
+                <a:ea typeface="Calibri" panose="020F0502020204030204" pitchFamily="34" charset="0"/>
+              </a:rPr>
+              <a:t> định </a:t>
+            </a:r>
+            <a:r>
+              <a:rPr lang="en-US" sz="2400" dirty="0" err="1">
+                <a:effectLst/>
+                <a:latin typeface="Calibri (Body)"/>
+                <a:ea typeface="Calibri" panose="020F0502020204030204" pitchFamily="34" charset="0"/>
+              </a:rPr>
+              <a:t>mức</a:t>
+            </a:r>
+            <a:r>
+              <a:rPr lang="en-US" sz="2400" dirty="0">
+                <a:effectLst/>
+                <a:latin typeface="Calibri (Body)"/>
+                <a:ea typeface="Calibri" panose="020F0502020204030204" pitchFamily="34" charset="0"/>
+              </a:rPr>
+              <a:t> </a:t>
+            </a:r>
+            <a:r>
+              <a:rPr lang="en-US" sz="2400" dirty="0" err="1">
+                <a:effectLst/>
+                <a:latin typeface="Calibri (Body)"/>
+                <a:ea typeface="Calibri" panose="020F0502020204030204" pitchFamily="34" charset="0"/>
+              </a:rPr>
+              <a:t>tồn</a:t>
+            </a:r>
+            <a:r>
+              <a:rPr lang="en-US" sz="2400" dirty="0">
+                <a:effectLst/>
+                <a:latin typeface="Calibri (Body)"/>
+                <a:ea typeface="Calibri" panose="020F0502020204030204" pitchFamily="34" charset="0"/>
+              </a:rPr>
+              <a:t> </a:t>
+            </a:r>
+            <a:r>
+              <a:rPr lang="en-US" sz="2400" dirty="0" err="1">
+                <a:effectLst/>
+                <a:latin typeface="Calibri (Body)"/>
+                <a:ea typeface="Calibri" panose="020F0502020204030204" pitchFamily="34" charset="0"/>
+              </a:rPr>
+              <a:t>kho</a:t>
+            </a:r>
+            <a:r>
+              <a:rPr lang="en-US" sz="2400" dirty="0">
+                <a:effectLst/>
+                <a:latin typeface="Calibri (Body)"/>
+                <a:ea typeface="Calibri" panose="020F0502020204030204" pitchFamily="34" charset="0"/>
+              </a:rPr>
+              <a:t>. </a:t>
+            </a:r>
+            <a:r>
+              <a:rPr lang="en-US" sz="2400" dirty="0" err="1">
+                <a:effectLst/>
+                <a:latin typeface="Calibri (Body)"/>
+                <a:ea typeface="Calibri" panose="020F0502020204030204" pitchFamily="34" charset="0"/>
+              </a:rPr>
+              <a:t>Khách</a:t>
+            </a:r>
+            <a:r>
+              <a:rPr lang="en-US" sz="2400" dirty="0">
+                <a:effectLst/>
+                <a:latin typeface="Calibri (Body)"/>
+                <a:ea typeface="Calibri" panose="020F0502020204030204" pitchFamily="34" charset="0"/>
+              </a:rPr>
+              <a:t> hàng có </a:t>
+            </a:r>
+            <a:r>
+              <a:rPr lang="en-US" sz="2400" dirty="0" err="1">
+                <a:effectLst/>
+                <a:latin typeface="Calibri (Body)"/>
+                <a:ea typeface="Calibri" panose="020F0502020204030204" pitchFamily="34" charset="0"/>
+              </a:rPr>
+              <a:t>nhu</a:t>
+            </a:r>
+            <a:r>
+              <a:rPr lang="en-US" sz="2400" dirty="0">
+                <a:effectLst/>
+                <a:latin typeface="Calibri (Body)"/>
+                <a:ea typeface="Calibri" panose="020F0502020204030204" pitchFamily="34" charset="0"/>
+              </a:rPr>
+              <a:t> cầu kiểm </a:t>
+            </a:r>
+            <a:r>
+              <a:rPr lang="en-US" sz="2400" dirty="0" err="1">
+                <a:effectLst/>
+                <a:latin typeface="Calibri (Body)"/>
+                <a:ea typeface="Calibri" panose="020F0502020204030204" pitchFamily="34" charset="0"/>
+              </a:rPr>
+              <a:t>soát</a:t>
+            </a:r>
+            <a:r>
+              <a:rPr lang="en-US" sz="2400" dirty="0">
+                <a:effectLst/>
+                <a:latin typeface="Calibri (Body)"/>
+                <a:ea typeface="Calibri" panose="020F0502020204030204" pitchFamily="34" charset="0"/>
+              </a:rPr>
+              <a:t> số </a:t>
+            </a:r>
+            <a:r>
+              <a:rPr lang="en-US" sz="2400" dirty="0" err="1">
+                <a:effectLst/>
+                <a:latin typeface="Calibri (Body)"/>
+                <a:ea typeface="Calibri" panose="020F0502020204030204" pitchFamily="34" charset="0"/>
+              </a:rPr>
+              <a:t>lượng</a:t>
+            </a:r>
+            <a:r>
+              <a:rPr lang="en-US" sz="2400" dirty="0">
+                <a:effectLst/>
+                <a:latin typeface="Calibri (Body)"/>
+                <a:ea typeface="Calibri" panose="020F0502020204030204" pitchFamily="34" charset="0"/>
+              </a:rPr>
+              <a:t> </a:t>
+            </a:r>
+            <a:r>
+              <a:rPr lang="en-US" sz="2400" dirty="0" err="1">
+                <a:effectLst/>
+                <a:latin typeface="Calibri (Body)"/>
+                <a:ea typeface="Calibri" panose="020F0502020204030204" pitchFamily="34" charset="0"/>
+              </a:rPr>
+              <a:t>tồn</a:t>
+            </a:r>
+            <a:r>
+              <a:rPr lang="en-US" sz="2400" dirty="0">
+                <a:effectLst/>
+                <a:latin typeface="Calibri (Body)"/>
+                <a:ea typeface="Calibri" panose="020F0502020204030204" pitchFamily="34" charset="0"/>
+              </a:rPr>
+              <a:t> </a:t>
+            </a:r>
+            <a:r>
+              <a:rPr lang="en-US" sz="2400" dirty="0" err="1">
+                <a:effectLst/>
+                <a:latin typeface="Calibri (Body)"/>
+                <a:ea typeface="Calibri" panose="020F0502020204030204" pitchFamily="34" charset="0"/>
+              </a:rPr>
+              <a:t>kho</a:t>
+            </a:r>
+            <a:r>
+              <a:rPr lang="en-US" sz="2400" dirty="0">
+                <a:effectLst/>
+                <a:latin typeface="Calibri (Body)"/>
+                <a:ea typeface="Calibri" panose="020F0502020204030204" pitchFamily="34" charset="0"/>
+              </a:rPr>
+              <a:t> của </a:t>
+            </a:r>
+            <a:r>
+              <a:rPr lang="en-US" sz="2400" dirty="0" err="1">
+                <a:effectLst/>
+                <a:latin typeface="Calibri (Body)"/>
+                <a:ea typeface="Calibri" panose="020F0502020204030204" pitchFamily="34" charset="0"/>
+              </a:rPr>
+              <a:t>những</a:t>
+            </a:r>
+            <a:r>
+              <a:rPr lang="en-US" sz="2400" dirty="0">
+                <a:effectLst/>
+                <a:latin typeface="Calibri (Body)"/>
+                <a:ea typeface="Calibri" panose="020F0502020204030204" pitchFamily="34" charset="0"/>
+              </a:rPr>
+              <a:t> </a:t>
+            </a:r>
+            <a:r>
+              <a:rPr lang="en-US" sz="2400" dirty="0" err="1">
+                <a:effectLst/>
+                <a:latin typeface="Calibri (Body)"/>
+                <a:ea typeface="Calibri" panose="020F0502020204030204" pitchFamily="34" charset="0"/>
+              </a:rPr>
+              <a:t>sản</a:t>
+            </a:r>
+            <a:r>
+              <a:rPr lang="en-US" sz="2400" dirty="0">
+                <a:effectLst/>
+                <a:latin typeface="Calibri (Body)"/>
+                <a:ea typeface="Calibri" panose="020F0502020204030204" pitchFamily="34" charset="0"/>
+              </a:rPr>
+              <a:t> </a:t>
+            </a:r>
+            <a:r>
+              <a:rPr lang="en-US" sz="2400" dirty="0" err="1">
+                <a:effectLst/>
+                <a:latin typeface="Calibri (Body)"/>
+                <a:ea typeface="Calibri" panose="020F0502020204030204" pitchFamily="34" charset="0"/>
+              </a:rPr>
+              <a:t>phẩm</a:t>
+            </a:r>
+            <a:r>
+              <a:rPr lang="en-US" sz="2400" dirty="0">
+                <a:effectLst/>
+                <a:latin typeface="Calibri (Body)"/>
+                <a:ea typeface="Calibri" panose="020F0502020204030204" pitchFamily="34" charset="0"/>
+              </a:rPr>
+              <a:t> “xu </a:t>
+            </a:r>
+            <a:r>
+              <a:rPr lang="en-US" sz="2400" dirty="0" err="1">
+                <a:effectLst/>
+                <a:latin typeface="Calibri (Body)"/>
+                <a:ea typeface="Calibri" panose="020F0502020204030204" pitchFamily="34" charset="0"/>
+              </a:rPr>
+              <a:t>thế</a:t>
+            </a:r>
+            <a:r>
+              <a:rPr lang="en-US" sz="2400" dirty="0">
+                <a:effectLst/>
+                <a:latin typeface="Calibri (Body)"/>
+                <a:ea typeface="Calibri" panose="020F0502020204030204" pitchFamily="34" charset="0"/>
+              </a:rPr>
+              <a:t>” để có chiến lược </a:t>
+            </a:r>
+            <a:r>
+              <a:rPr lang="en-US" sz="2400" dirty="0" err="1">
+                <a:effectLst/>
+                <a:latin typeface="Calibri (Body)"/>
+                <a:ea typeface="Calibri" panose="020F0502020204030204" pitchFamily="34" charset="0"/>
+              </a:rPr>
               <a:t>nhập</a:t>
             </a:r>
             <a:r>
-              <a:rPr lang="en-US" sz="2400" dirty="0"/>
-              <a:t> hàng</a:t>
+              <a:rPr lang="en-US" sz="2400" dirty="0">
+                <a:effectLst/>
+                <a:latin typeface="Calibri (Body)"/>
+                <a:ea typeface="Calibri" panose="020F0502020204030204" pitchFamily="34" charset="0"/>
+              </a:rPr>
+              <a:t> hàng.</a:t>
             </a:r>
           </a:p>
           <a:p>
@@ -5146,81 +5921,479 @@
               <a:buChar char="•"/>
             </a:pPr>
             <a:r>
-              <a:rPr lang="en-US" sz="2400" dirty="0" err="1"/>
+              <a:rPr lang="en-US" sz="2400" dirty="0" err="1">
+                <a:effectLst/>
+                <a:latin typeface="Calibri (Body)"/>
+                <a:ea typeface="Calibri" panose="020F0502020204030204" pitchFamily="34" charset="0"/>
+              </a:rPr>
               <a:t>Quản</a:t>
             </a:r>
             <a:r>
-              <a:rPr lang="en-US" sz="2400" dirty="0"/>
-              <a:t> </a:t>
-            </a:r>
-            <a:r>
-              <a:rPr lang="en-US" sz="2400" dirty="0" err="1"/>
+              <a:rPr lang="en-US" sz="2400" dirty="0">
+                <a:effectLst/>
+                <a:latin typeface="Calibri (Body)"/>
+                <a:ea typeface="Calibri" panose="020F0502020204030204" pitchFamily="34" charset="0"/>
+              </a:rPr>
+              <a:t> </a:t>
+            </a:r>
+            <a:r>
+              <a:rPr lang="en-US" sz="2400" dirty="0" err="1">
+                <a:effectLst/>
+                <a:latin typeface="Calibri (Body)"/>
+                <a:ea typeface="Calibri" panose="020F0502020204030204" pitchFamily="34" charset="0"/>
+              </a:rPr>
               <a:t>lý</a:t>
             </a:r>
             <a:r>
-              <a:rPr lang="en-US" sz="2400" dirty="0"/>
-              <a:t>: </a:t>
-            </a:r>
-            <a:r>
-              <a:rPr lang="en-US" sz="2400" dirty="0" err="1"/>
-              <a:t>thực</a:t>
-            </a:r>
-            <a:r>
-              <a:rPr lang="en-US" sz="2400" dirty="0"/>
-              <a:t> </a:t>
-            </a:r>
-            <a:r>
-              <a:rPr lang="en-US" sz="2400" dirty="0" err="1"/>
-              <a:t>hiện</a:t>
-            </a:r>
-            <a:r>
-              <a:rPr lang="en-US" sz="2400" dirty="0"/>
-              <a:t> các </a:t>
-            </a:r>
-            <a:r>
-              <a:rPr lang="en-US" sz="2400" dirty="0" err="1"/>
-              <a:t>chức</a:t>
-            </a:r>
-            <a:r>
-              <a:rPr lang="en-US" sz="2400" dirty="0"/>
-              <a:t> năng của </a:t>
-            </a:r>
-            <a:r>
-              <a:rPr lang="en-US" sz="2400" dirty="0" err="1"/>
-              <a:t>nhân</a:t>
-            </a:r>
-            <a:r>
-              <a:rPr lang="en-US" sz="2400" dirty="0"/>
-              <a:t> viên </a:t>
-            </a:r>
-            <a:r>
-              <a:rPr lang="en-US" sz="2400" dirty="0" err="1"/>
-              <a:t>kho</a:t>
-            </a:r>
-            <a:r>
-              <a:rPr lang="en-US" sz="2400" dirty="0"/>
-              <a:t> và </a:t>
-            </a:r>
-            <a:r>
-              <a:rPr lang="en-US" sz="2400" dirty="0" err="1"/>
-              <a:t>kế</a:t>
-            </a:r>
-            <a:r>
-              <a:rPr lang="en-US" sz="2400" dirty="0"/>
-              <a:t> </a:t>
-            </a:r>
-            <a:r>
-              <a:rPr lang="en-US" sz="2400" dirty="0" err="1"/>
+              <a:rPr lang="en-US" sz="2400" dirty="0">
+                <a:effectLst/>
+                <a:latin typeface="Calibri (Body)"/>
+                <a:ea typeface="Calibri" panose="020F0502020204030204" pitchFamily="34" charset="0"/>
+              </a:rPr>
+              <a:t> </a:t>
+            </a:r>
+            <a:r>
+              <a:rPr lang="en-US" sz="2400" dirty="0" err="1">
+                <a:effectLst/>
+                <a:latin typeface="Calibri (Body)"/>
+                <a:ea typeface="Calibri" panose="020F0502020204030204" pitchFamily="34" charset="0"/>
+              </a:rPr>
+              <a:t>công</a:t>
+            </a:r>
+            <a:r>
+              <a:rPr lang="en-US" sz="2400" dirty="0">
+                <a:effectLst/>
+                <a:latin typeface="Calibri (Body)"/>
+                <a:ea typeface="Calibri" panose="020F0502020204030204" pitchFamily="34" charset="0"/>
+              </a:rPr>
+              <a:t> </a:t>
+            </a:r>
+            <a:r>
+              <a:rPr lang="en-US" sz="2400" dirty="0" err="1">
+                <a:effectLst/>
+                <a:latin typeface="Calibri (Body)"/>
+                <a:ea typeface="Calibri" panose="020F0502020204030204" pitchFamily="34" charset="0"/>
+              </a:rPr>
+              <a:t>nợ</a:t>
+            </a:r>
+            <a:r>
+              <a:rPr lang="en-US" sz="2400" dirty="0">
+                <a:effectLst/>
+                <a:latin typeface="Calibri (Body)"/>
+                <a:ea typeface="Calibri" panose="020F0502020204030204" pitchFamily="34" charset="0"/>
+              </a:rPr>
+              <a:t> với </a:t>
+            </a:r>
+            <a:r>
+              <a:rPr lang="en-US" sz="2400" dirty="0" err="1">
+                <a:effectLst/>
+                <a:latin typeface="Calibri (Body)"/>
+                <a:ea typeface="Calibri" panose="020F0502020204030204" pitchFamily="34" charset="0"/>
+              </a:rPr>
+              <a:t>nhà</a:t>
+            </a:r>
+            <a:r>
+              <a:rPr lang="en-US" sz="2400" dirty="0">
+                <a:effectLst/>
+                <a:latin typeface="Calibri (Body)"/>
+                <a:ea typeface="Calibri" panose="020F0502020204030204" pitchFamily="34" charset="0"/>
+              </a:rPr>
+              <a:t> </a:t>
+            </a:r>
+            <a:r>
+              <a:rPr lang="en-US" sz="2400" dirty="0" err="1">
+                <a:effectLst/>
+                <a:latin typeface="Calibri (Body)"/>
+                <a:ea typeface="Calibri" panose="020F0502020204030204" pitchFamily="34" charset="0"/>
+              </a:rPr>
+              <a:t>cung</a:t>
+            </a:r>
+            <a:r>
+              <a:rPr lang="en-US" sz="2400" dirty="0">
+                <a:effectLst/>
+                <a:latin typeface="Calibri (Body)"/>
+                <a:ea typeface="Calibri" panose="020F0502020204030204" pitchFamily="34" charset="0"/>
+              </a:rPr>
+              <a:t> </a:t>
+            </a:r>
+            <a:r>
+              <a:rPr lang="en-US" sz="2400" dirty="0" err="1">
+                <a:effectLst/>
+                <a:latin typeface="Calibri (Body)"/>
+                <a:ea typeface="Calibri" panose="020F0502020204030204" pitchFamily="34" charset="0"/>
+              </a:rPr>
+              <a:t>cấp</a:t>
+            </a:r>
+            <a:r>
+              <a:rPr lang="en-US" sz="2400" dirty="0">
+                <a:effectLst/>
+                <a:latin typeface="Calibri (Body)"/>
+                <a:ea typeface="Calibri" panose="020F0502020204030204" pitchFamily="34" charset="0"/>
+              </a:rPr>
+              <a:t>. </a:t>
+            </a:r>
+            <a:r>
+              <a:rPr lang="en-US" sz="2400" dirty="0" err="1">
+                <a:effectLst/>
+                <a:latin typeface="Calibri (Body)"/>
+                <a:ea typeface="Calibri" panose="020F0502020204030204" pitchFamily="34" charset="0"/>
+              </a:rPr>
+              <a:t>Phương</a:t>
+            </a:r>
+            <a:r>
+              <a:rPr lang="en-US" sz="2400" dirty="0">
+                <a:effectLst/>
+                <a:latin typeface="Calibri (Body)"/>
+                <a:ea typeface="Calibri" panose="020F0502020204030204" pitchFamily="34" charset="0"/>
+              </a:rPr>
+              <a:t> </a:t>
+            </a:r>
+            <a:r>
+              <a:rPr lang="en-US" sz="2400" dirty="0" err="1">
+                <a:effectLst/>
+                <a:latin typeface="Calibri (Body)"/>
+                <a:ea typeface="Calibri" panose="020F0502020204030204" pitchFamily="34" charset="0"/>
+              </a:rPr>
+              <a:t>pháp</a:t>
+            </a:r>
+            <a:r>
+              <a:rPr lang="en-US" sz="2400" dirty="0">
+                <a:effectLst/>
+                <a:latin typeface="Calibri (Body)"/>
+                <a:ea typeface="Calibri" panose="020F0502020204030204" pitchFamily="34" charset="0"/>
+              </a:rPr>
+              <a:t> </a:t>
+            </a:r>
+            <a:r>
+              <a:rPr lang="en-US" sz="2400" dirty="0" err="1">
+                <a:effectLst/>
+                <a:latin typeface="Calibri (Body)"/>
+                <a:ea typeface="Calibri" panose="020F0502020204030204" pitchFamily="34" charset="0"/>
+              </a:rPr>
+              <a:t>thanh</a:t>
+            </a:r>
+            <a:r>
+              <a:rPr lang="en-US" sz="2400" dirty="0">
+                <a:effectLst/>
+                <a:latin typeface="Calibri (Body)"/>
+                <a:ea typeface="Calibri" panose="020F0502020204030204" pitchFamily="34" charset="0"/>
+              </a:rPr>
+              <a:t> </a:t>
+            </a:r>
+            <a:r>
+              <a:rPr lang="en-US" sz="2400" dirty="0" err="1">
+                <a:effectLst/>
+                <a:latin typeface="Calibri (Body)"/>
+                <a:ea typeface="Calibri" panose="020F0502020204030204" pitchFamily="34" charset="0"/>
+              </a:rPr>
               <a:t>toán</a:t>
             </a:r>
-            <a:endParaRPr lang="en-US" sz="2400" dirty="0"/>
+            <a:r>
+              <a:rPr lang="en-US" sz="2400" dirty="0">
+                <a:effectLst/>
+                <a:latin typeface="Calibri (Body)"/>
+                <a:ea typeface="Calibri" panose="020F0502020204030204" pitchFamily="34" charset="0"/>
+              </a:rPr>
+              <a:t> </a:t>
+            </a:r>
+            <a:r>
+              <a:rPr lang="en-US" sz="2400" dirty="0" err="1">
+                <a:effectLst/>
+                <a:latin typeface="Calibri (Body)"/>
+                <a:ea typeface="Calibri" panose="020F0502020204030204" pitchFamily="34" charset="0"/>
+              </a:rPr>
+              <a:t>từng</a:t>
+            </a:r>
+            <a:r>
+              <a:rPr lang="en-US" sz="2400" dirty="0">
+                <a:effectLst/>
+                <a:latin typeface="Calibri (Body)"/>
+                <a:ea typeface="Calibri" panose="020F0502020204030204" pitchFamily="34" charset="0"/>
+              </a:rPr>
+              <a:t> </a:t>
+            </a:r>
+            <a:r>
+              <a:rPr lang="en-US" sz="2400" dirty="0" err="1">
+                <a:effectLst/>
+                <a:latin typeface="Calibri (Body)"/>
+                <a:ea typeface="Calibri" panose="020F0502020204030204" pitchFamily="34" charset="0"/>
+              </a:rPr>
+              <a:t>phần</a:t>
+            </a:r>
+            <a:r>
+              <a:rPr lang="en-US" sz="2400" dirty="0">
+                <a:effectLst/>
+                <a:latin typeface="Calibri (Body)"/>
+                <a:ea typeface="Calibri" panose="020F0502020204030204" pitchFamily="34" charset="0"/>
+              </a:rPr>
+              <a:t> </a:t>
+            </a:r>
+            <a:r>
+              <a:rPr lang="en-US" sz="2400" dirty="0" err="1">
+                <a:effectLst/>
+                <a:latin typeface="Calibri (Body)"/>
+                <a:ea typeface="Calibri" panose="020F0502020204030204" pitchFamily="34" charset="0"/>
+              </a:rPr>
+              <a:t>phổ</a:t>
+            </a:r>
+            <a:r>
+              <a:rPr lang="en-US" sz="2400" dirty="0">
+                <a:effectLst/>
+                <a:latin typeface="Calibri (Body)"/>
+                <a:ea typeface="Calibri" panose="020F0502020204030204" pitchFamily="34" charset="0"/>
+              </a:rPr>
+              <a:t> </a:t>
+            </a:r>
+            <a:r>
+              <a:rPr lang="en-US" sz="2400" dirty="0" err="1">
+                <a:effectLst/>
+                <a:latin typeface="Calibri (Body)"/>
+                <a:ea typeface="Calibri" panose="020F0502020204030204" pitchFamily="34" charset="0"/>
+              </a:rPr>
+              <a:t>biến</a:t>
+            </a:r>
+            <a:r>
+              <a:rPr lang="en-US" sz="2400" dirty="0">
+                <a:effectLst/>
+                <a:latin typeface="Calibri (Body)"/>
+                <a:ea typeface="Calibri" panose="020F0502020204030204" pitchFamily="34" charset="0"/>
+              </a:rPr>
+              <a:t> khi </a:t>
+            </a:r>
+            <a:r>
+              <a:rPr lang="en-US" sz="2400" dirty="0" err="1">
+                <a:effectLst/>
+                <a:latin typeface="Calibri (Body)"/>
+                <a:ea typeface="Calibri" panose="020F0502020204030204" pitchFamily="34" charset="0"/>
+              </a:rPr>
+              <a:t>khách</a:t>
+            </a:r>
+            <a:r>
+              <a:rPr lang="en-US" sz="2400" dirty="0">
+                <a:effectLst/>
+                <a:latin typeface="Calibri (Body)"/>
+                <a:ea typeface="Calibri" panose="020F0502020204030204" pitchFamily="34" charset="0"/>
+              </a:rPr>
+              <a:t> hàng cần </a:t>
+            </a:r>
+            <a:r>
+              <a:rPr lang="en-US" sz="2400" dirty="0" err="1">
+                <a:effectLst/>
+                <a:latin typeface="Calibri (Body)"/>
+                <a:ea typeface="Calibri" panose="020F0502020204030204" pitchFamily="34" charset="0"/>
+              </a:rPr>
+              <a:t>thời</a:t>
+            </a:r>
+            <a:r>
+              <a:rPr lang="en-US" sz="2400" dirty="0">
+                <a:effectLst/>
+                <a:latin typeface="Calibri (Body)"/>
+                <a:ea typeface="Calibri" panose="020F0502020204030204" pitchFamily="34" charset="0"/>
+              </a:rPr>
+              <a:t> </a:t>
+            </a:r>
+            <a:r>
+              <a:rPr lang="en-US" sz="2400" dirty="0" err="1">
+                <a:effectLst/>
+                <a:latin typeface="Calibri (Body)"/>
+                <a:ea typeface="Calibri" panose="020F0502020204030204" pitchFamily="34" charset="0"/>
+              </a:rPr>
+              <a:t>gian</a:t>
+            </a:r>
+            <a:r>
+              <a:rPr lang="en-US" sz="2400" dirty="0">
+                <a:effectLst/>
+                <a:latin typeface="Calibri (Body)"/>
+                <a:ea typeface="Calibri" panose="020F0502020204030204" pitchFamily="34" charset="0"/>
+              </a:rPr>
+              <a:t> để </a:t>
+            </a:r>
+            <a:r>
+              <a:rPr lang="en-US" sz="2400" dirty="0" err="1">
+                <a:effectLst/>
+                <a:latin typeface="Calibri (Body)"/>
+                <a:ea typeface="Calibri" panose="020F0502020204030204" pitchFamily="34" charset="0"/>
+              </a:rPr>
+              <a:t>xoay</a:t>
+            </a:r>
+            <a:r>
+              <a:rPr lang="en-US" sz="2400" dirty="0">
+                <a:effectLst/>
+                <a:latin typeface="Calibri (Body)"/>
+                <a:ea typeface="Calibri" panose="020F0502020204030204" pitchFamily="34" charset="0"/>
+              </a:rPr>
+              <a:t> </a:t>
+            </a:r>
+            <a:r>
+              <a:rPr lang="en-US" sz="2400" dirty="0" err="1">
+                <a:effectLst/>
+                <a:latin typeface="Calibri (Body)"/>
+                <a:ea typeface="Calibri" panose="020F0502020204030204" pitchFamily="34" charset="0"/>
+              </a:rPr>
+              <a:t>tiền</a:t>
+            </a:r>
+            <a:r>
+              <a:rPr lang="en-US" sz="2400" dirty="0">
+                <a:effectLst/>
+                <a:latin typeface="Calibri (Body)"/>
+                <a:ea typeface="Calibri" panose="020F0502020204030204" pitchFamily="34" charset="0"/>
+              </a:rPr>
+              <a:t>. </a:t>
+            </a:r>
+            <a:r>
+              <a:rPr lang="en-US" sz="2400" dirty="0" err="1">
+                <a:effectLst/>
+                <a:latin typeface="Calibri (Body)"/>
+                <a:ea typeface="Calibri" panose="020F0502020204030204" pitchFamily="34" charset="0"/>
+              </a:rPr>
+              <a:t>Nhu</a:t>
+            </a:r>
+            <a:r>
+              <a:rPr lang="en-US" sz="2400" dirty="0">
+                <a:effectLst/>
+                <a:latin typeface="Calibri (Body)"/>
+                <a:ea typeface="Calibri" panose="020F0502020204030204" pitchFamily="34" charset="0"/>
+              </a:rPr>
+              <a:t> cầu </a:t>
+            </a:r>
+            <a:r>
+              <a:rPr lang="en-US" sz="2400" dirty="0" err="1">
+                <a:effectLst/>
+                <a:latin typeface="Calibri (Body)"/>
+                <a:ea typeface="Calibri" panose="020F0502020204030204" pitchFamily="34" charset="0"/>
+              </a:rPr>
+              <a:t>quản</a:t>
+            </a:r>
+            <a:r>
+              <a:rPr lang="en-US" sz="2400" dirty="0">
+                <a:effectLst/>
+                <a:latin typeface="Calibri (Body)"/>
+                <a:ea typeface="Calibri" panose="020F0502020204030204" pitchFamily="34" charset="0"/>
+              </a:rPr>
+              <a:t> </a:t>
+            </a:r>
+            <a:r>
+              <a:rPr lang="en-US" sz="2400" dirty="0" err="1">
+                <a:effectLst/>
+                <a:latin typeface="Calibri (Body)"/>
+                <a:ea typeface="Calibri" panose="020F0502020204030204" pitchFamily="34" charset="0"/>
+              </a:rPr>
+              <a:t>lý</a:t>
+            </a:r>
+            <a:r>
+              <a:rPr lang="en-US" sz="2400" dirty="0">
+                <a:effectLst/>
+                <a:latin typeface="Calibri (Body)"/>
+                <a:ea typeface="Calibri" panose="020F0502020204030204" pitchFamily="34" charset="0"/>
+              </a:rPr>
+              <a:t> </a:t>
+            </a:r>
+            <a:r>
+              <a:rPr lang="en-US" sz="2400" dirty="0" err="1">
+                <a:effectLst/>
+                <a:latin typeface="Calibri (Body)"/>
+                <a:ea typeface="Calibri" panose="020F0502020204030204" pitchFamily="34" charset="0"/>
+              </a:rPr>
+              <a:t>công</a:t>
+            </a:r>
+            <a:r>
+              <a:rPr lang="en-US" sz="2400" dirty="0">
+                <a:effectLst/>
+                <a:latin typeface="Calibri (Body)"/>
+                <a:ea typeface="Calibri" panose="020F0502020204030204" pitchFamily="34" charset="0"/>
+              </a:rPr>
+              <a:t> </a:t>
+            </a:r>
+            <a:r>
+              <a:rPr lang="en-US" sz="2400" dirty="0" err="1">
+                <a:effectLst/>
+                <a:latin typeface="Calibri (Body)"/>
+                <a:ea typeface="Calibri" panose="020F0502020204030204" pitchFamily="34" charset="0"/>
+              </a:rPr>
+              <a:t>nợ</a:t>
+            </a:r>
+            <a:r>
+              <a:rPr lang="en-US" sz="2400" dirty="0">
+                <a:effectLst/>
+                <a:latin typeface="Calibri (Body)"/>
+                <a:ea typeface="Calibri" panose="020F0502020204030204" pitchFamily="34" charset="0"/>
+              </a:rPr>
+              <a:t> </a:t>
+            </a:r>
+            <a:r>
+              <a:rPr lang="en-US" sz="2400" dirty="0" err="1">
+                <a:effectLst/>
+                <a:latin typeface="Calibri (Body)"/>
+                <a:ea typeface="Calibri" panose="020F0502020204030204" pitchFamily="34" charset="0"/>
+              </a:rPr>
+              <a:t>vì</a:t>
+            </a:r>
+            <a:r>
+              <a:rPr lang="en-US" sz="2400" dirty="0">
+                <a:effectLst/>
+                <a:latin typeface="Calibri (Body)"/>
+                <a:ea typeface="Calibri" panose="020F0502020204030204" pitchFamily="34" charset="0"/>
+              </a:rPr>
+              <a:t> </a:t>
+            </a:r>
+            <a:r>
+              <a:rPr lang="en-US" sz="2400" dirty="0" err="1">
+                <a:effectLst/>
+                <a:latin typeface="Calibri (Body)"/>
+                <a:ea typeface="Calibri" panose="020F0502020204030204" pitchFamily="34" charset="0"/>
+              </a:rPr>
+              <a:t>thế</a:t>
+            </a:r>
+            <a:r>
+              <a:rPr lang="en-US" sz="2400" dirty="0">
+                <a:effectLst/>
+                <a:latin typeface="Calibri (Body)"/>
+                <a:ea typeface="Calibri" panose="020F0502020204030204" pitchFamily="34" charset="0"/>
+              </a:rPr>
+              <a:t> </a:t>
+            </a:r>
+            <a:r>
+              <a:rPr lang="en-US" sz="2400" dirty="0" err="1">
+                <a:effectLst/>
+                <a:latin typeface="Calibri (Body)"/>
+                <a:ea typeface="Calibri" panose="020F0502020204030204" pitchFamily="34" charset="0"/>
+              </a:rPr>
+              <a:t>càng</a:t>
+            </a:r>
+            <a:r>
+              <a:rPr lang="en-US" sz="2400" dirty="0">
+                <a:effectLst/>
+                <a:latin typeface="Calibri (Body)"/>
+                <a:ea typeface="Calibri" panose="020F0502020204030204" pitchFamily="34" charset="0"/>
+              </a:rPr>
+              <a:t> tăng </a:t>
+            </a:r>
+            <a:r>
+              <a:rPr lang="en-US" sz="2400" dirty="0" err="1">
+                <a:effectLst/>
+                <a:latin typeface="Calibri (Body)"/>
+                <a:ea typeface="Calibri" panose="020F0502020204030204" pitchFamily="34" charset="0"/>
+              </a:rPr>
+              <a:t>cao</a:t>
+            </a:r>
+            <a:r>
+              <a:rPr lang="en-US" sz="2400" dirty="0">
+                <a:effectLst/>
+                <a:latin typeface="Calibri (Body)"/>
+                <a:ea typeface="Calibri" panose="020F0502020204030204" pitchFamily="34" charset="0"/>
+              </a:rPr>
+              <a:t>.</a:t>
+            </a:r>
+            <a:endParaRPr lang="en-US" sz="2400" dirty="0">
+              <a:latin typeface="Calibri (Body)"/>
+            </a:endParaRPr>
           </a:p>
         </p:txBody>
       </p:sp>
     </p:spTree>
     <p:extLst>
       <p:ext uri="{BB962C8B-B14F-4D97-AF65-F5344CB8AC3E}">
-        <p14:creationId xmlns:p14="http://schemas.microsoft.com/office/powerpoint/2010/main" val="1595516121"/>
+        <p14:creationId xmlns:p14="http://schemas.microsoft.com/office/powerpoint/2010/main" val="3031019561"/>
       </p:ext>
     </p:extLst>
   </p:cSld>
@@ -5249,10 +6422,10 @@
       </p:grpSpPr>
       <p:sp>
         <p:nvSpPr>
-          <p:cNvPr id="2" name="Title 1">
+          <p:cNvPr id="6" name="Title 1">
             <a:extLst>
               <a:ext uri="{FF2B5EF4-FFF2-40B4-BE49-F238E27FC236}">
-                <a16:creationId xmlns:a16="http://schemas.microsoft.com/office/drawing/2014/main" id="{0EDEB295-1E12-4D56-9471-42835C0776EF}"/>
+                <a16:creationId xmlns:a16="http://schemas.microsoft.com/office/drawing/2014/main" id="{19135604-D085-499B-ACC4-750536965716}"/>
               </a:ext>
             </a:extLst>
           </p:cNvPr>
@@ -5263,7 +6436,12 @@
             <p:ph type="title"/>
           </p:nvPr>
         </p:nvSpPr>
-        <p:spPr/>
+        <p:spPr>
+          <a:xfrm>
+            <a:off x="838200" y="365125"/>
+            <a:ext cx="10515600" cy="1325563"/>
+          </a:xfrm>
+        </p:spPr>
         <p:txBody>
           <a:bodyPr>
             <a:normAutofit/>
@@ -5288,51 +6466,18 @@
               </a:rPr>
               <a:t>pháp</a:t>
             </a:r>
-            <a:endParaRPr lang="en-US" sz="4800" dirty="0"/>
-          </a:p>
-        </p:txBody>
-      </p:sp>
-      <p:pic>
-        <p:nvPicPr>
-          <p:cNvPr id="5" name="Content Placeholder 4" descr="Diagram&#10;&#10;Description automatically generated">
+            <a:endParaRPr lang="en-US" sz="4800" b="1" dirty="0">
+              <a:latin typeface="Calibri (Headings)"/>
+            </a:endParaRPr>
+          </a:p>
+        </p:txBody>
+      </p:sp>
+      <p:sp>
+        <p:nvSpPr>
+          <p:cNvPr id="7" name="TextBox 6">
             <a:extLst>
               <a:ext uri="{FF2B5EF4-FFF2-40B4-BE49-F238E27FC236}">
-                <a16:creationId xmlns:a16="http://schemas.microsoft.com/office/drawing/2014/main" id="{DBFE0219-B750-49B9-8290-E622A246C47E}"/>
-              </a:ext>
-            </a:extLst>
-          </p:cNvPr>
-          <p:cNvPicPr>
-            <a:picLocks noGrp="1" noChangeAspect="1"/>
-          </p:cNvPicPr>
-          <p:nvPr>
-            <p:ph idx="1"/>
-          </p:nvPr>
-        </p:nvPicPr>
-        <p:blipFill>
-          <a:blip r:embed="rId2">
-            <a:extLst>
-              <a:ext uri="{28A0092B-C50C-407E-A947-70E740481C1C}">
-                <a14:useLocalDpi xmlns:a14="http://schemas.microsoft.com/office/drawing/2010/main" val="0"/>
-              </a:ext>
-            </a:extLst>
-          </a:blip>
-          <a:stretch>
-            <a:fillRect/>
-          </a:stretch>
-        </p:blipFill>
-        <p:spPr>
-          <a:xfrm>
-            <a:off x="2492829" y="1438747"/>
-            <a:ext cx="7043982" cy="4803530"/>
-          </a:xfrm>
-        </p:spPr>
-      </p:pic>
-      <p:sp>
-        <p:nvSpPr>
-          <p:cNvPr id="6" name="TextBox 5">
-            <a:extLst>
-              <a:ext uri="{FF2B5EF4-FFF2-40B4-BE49-F238E27FC236}">
-                <a16:creationId xmlns:a16="http://schemas.microsoft.com/office/drawing/2014/main" id="{953F9700-A2A0-49FB-87BB-EB40EC91F0F8}"/>
+                <a16:creationId xmlns:a16="http://schemas.microsoft.com/office/drawing/2014/main" id="{2E350783-6B20-4A38-A4DF-D12EC7D0CE54}"/>
               </a:ext>
             </a:extLst>
           </p:cNvPr>
@@ -5341,8 +6486,8 @@
         </p:nvSpPr>
         <p:spPr>
           <a:xfrm>
-            <a:off x="4201886" y="6368143"/>
-            <a:ext cx="4005943" cy="461665"/>
+            <a:off x="914400" y="1589315"/>
+            <a:ext cx="10330543" cy="2943563"/>
           </a:xfrm>
           <a:prstGeom prst="rect">
             <a:avLst/>
@@ -5355,37 +6500,550 @@
           </a:bodyPr>
           <a:lstStyle/>
           <a:p>
-            <a:r>
-              <a:rPr lang="en-US" sz="2400" i="1" dirty="0" err="1"/>
-              <a:t>Hình</a:t>
-            </a:r>
-            <a:r>
-              <a:rPr lang="en-US" sz="2400" i="1" dirty="0"/>
-              <a:t> 1: </a:t>
-            </a:r>
-            <a:r>
-              <a:rPr lang="en-US" sz="2400" i="1" dirty="0" err="1"/>
-              <a:t>Quy</a:t>
-            </a:r>
-            <a:r>
-              <a:rPr lang="en-US" sz="2400" i="1" dirty="0"/>
-              <a:t> trình </a:t>
-            </a:r>
-            <a:r>
-              <a:rPr lang="en-US" sz="2400" i="1" dirty="0" err="1"/>
-              <a:t>nhập</a:t>
-            </a:r>
-            <a:r>
-              <a:rPr lang="en-US" sz="2400" i="1" dirty="0"/>
-              <a:t> hàng</a:t>
-            </a:r>
+            <a:pPr marL="342900" indent="-342900">
+              <a:lnSpc>
+                <a:spcPct val="150000"/>
+              </a:lnSpc>
+              <a:buFont typeface="Arial" panose="020B0604020202020204" pitchFamily="34" charset="0"/>
+              <a:buChar char="•"/>
+            </a:pPr>
+            <a:r>
+              <a:rPr lang="en-US" sz="3000" b="1" dirty="0">
+                <a:effectLst/>
+                <a:latin typeface="Calibri (Body)"/>
+                <a:ea typeface="Calibri" panose="020F0502020204030204" pitchFamily="34" charset="0"/>
+                <a:cs typeface="Times New Roman" panose="02020603050405020304" pitchFamily="18" charset="0"/>
+              </a:rPr>
+              <a:t>Hướng </a:t>
+            </a:r>
+            <a:r>
+              <a:rPr lang="en-US" sz="3000" b="1" dirty="0" err="1">
+                <a:effectLst/>
+                <a:latin typeface="Calibri (Body)"/>
+                <a:ea typeface="Calibri" panose="020F0502020204030204" pitchFamily="34" charset="0"/>
+                <a:cs typeface="Times New Roman" panose="02020603050405020304" pitchFamily="18" charset="0"/>
+              </a:rPr>
+              <a:t>giả</a:t>
+            </a:r>
+            <a:r>
+              <a:rPr lang="en-US" sz="3000" b="1" dirty="0" err="1">
+                <a:latin typeface="Calibri (Body)"/>
+                <a:ea typeface="Calibri" panose="020F0502020204030204" pitchFamily="34" charset="0"/>
+                <a:cs typeface="Times New Roman" panose="02020603050405020304" pitchFamily="18" charset="0"/>
+              </a:rPr>
+              <a:t>i</a:t>
+            </a:r>
+            <a:r>
+              <a:rPr lang="en-US" sz="3000" b="1" dirty="0">
+                <a:latin typeface="Calibri (Body)"/>
+                <a:ea typeface="Calibri" panose="020F0502020204030204" pitchFamily="34" charset="0"/>
+                <a:cs typeface="Times New Roman" panose="02020603050405020304" pitchFamily="18" charset="0"/>
+              </a:rPr>
+              <a:t> </a:t>
+            </a:r>
+            <a:r>
+              <a:rPr lang="en-US" sz="3000" b="1" dirty="0" err="1">
+                <a:latin typeface="Calibri (Body)"/>
+                <a:ea typeface="Calibri" panose="020F0502020204030204" pitchFamily="34" charset="0"/>
+                <a:cs typeface="Times New Roman" panose="02020603050405020304" pitchFamily="18" charset="0"/>
+              </a:rPr>
+              <a:t>quyết</a:t>
+            </a:r>
+            <a:r>
+              <a:rPr lang="en-US" sz="3000" b="1" dirty="0">
+                <a:latin typeface="Calibri (Body)"/>
+                <a:ea typeface="Calibri" panose="020F0502020204030204" pitchFamily="34" charset="0"/>
+                <a:cs typeface="Times New Roman" panose="02020603050405020304" pitchFamily="18" charset="0"/>
+              </a:rPr>
+              <a:t>:</a:t>
+            </a:r>
+            <a:endParaRPr lang="en-US" sz="3000" b="1" dirty="0">
+              <a:effectLst/>
+              <a:latin typeface="Calibri (Body)"/>
+              <a:ea typeface="Calibri" panose="020F0502020204030204" pitchFamily="34" charset="0"/>
+              <a:cs typeface="Times New Roman" panose="02020603050405020304" pitchFamily="18" charset="0"/>
+            </a:endParaRPr>
+          </a:p>
+          <a:p>
+            <a:pPr marL="800100" lvl="1" indent="-342900">
+              <a:lnSpc>
+                <a:spcPct val="150000"/>
+              </a:lnSpc>
+              <a:buFont typeface="Arial" panose="020B0604020202020204" pitchFamily="34" charset="0"/>
+              <a:buChar char="•"/>
+            </a:pPr>
+            <a:r>
+              <a:rPr lang="en-US" sz="2400" dirty="0" err="1">
+                <a:effectLst/>
+                <a:latin typeface="Calibri (Body)"/>
+                <a:ea typeface="Calibri" panose="020F0502020204030204" pitchFamily="34" charset="0"/>
+                <a:cs typeface="Times New Roman" panose="02020603050405020304" pitchFamily="18" charset="0"/>
+              </a:rPr>
+              <a:t>Tiết</a:t>
+            </a:r>
+            <a:r>
+              <a:rPr lang="en-US" sz="2400" dirty="0">
+                <a:effectLst/>
+                <a:latin typeface="Calibri (Body)"/>
+                <a:ea typeface="Calibri" panose="020F0502020204030204" pitchFamily="34" charset="0"/>
+                <a:cs typeface="Times New Roman" panose="02020603050405020304" pitchFamily="18" charset="0"/>
+              </a:rPr>
+              <a:t> </a:t>
+            </a:r>
+            <a:r>
+              <a:rPr lang="en-US" sz="2400" dirty="0" err="1">
+                <a:effectLst/>
+                <a:latin typeface="Calibri (Body)"/>
+                <a:ea typeface="Calibri" panose="020F0502020204030204" pitchFamily="34" charset="0"/>
+                <a:cs typeface="Times New Roman" panose="02020603050405020304" pitchFamily="18" charset="0"/>
+              </a:rPr>
+              <a:t>kiệm</a:t>
+            </a:r>
+            <a:r>
+              <a:rPr lang="en-US" sz="2400" dirty="0">
+                <a:effectLst/>
+                <a:latin typeface="Calibri (Body)"/>
+                <a:ea typeface="Calibri" panose="020F0502020204030204" pitchFamily="34" charset="0"/>
+                <a:cs typeface="Times New Roman" panose="02020603050405020304" pitchFamily="18" charset="0"/>
+              </a:rPr>
+              <a:t> </a:t>
+            </a:r>
+            <a:r>
+              <a:rPr lang="en-US" sz="2400" dirty="0" err="1">
+                <a:effectLst/>
+                <a:latin typeface="Calibri (Body)"/>
+                <a:ea typeface="Calibri" panose="020F0502020204030204" pitchFamily="34" charset="0"/>
+                <a:cs typeface="Times New Roman" panose="02020603050405020304" pitchFamily="18" charset="0"/>
+              </a:rPr>
+              <a:t>thời</a:t>
+            </a:r>
+            <a:r>
+              <a:rPr lang="en-US" sz="2400" dirty="0">
+                <a:effectLst/>
+                <a:latin typeface="Calibri (Body)"/>
+                <a:ea typeface="Calibri" panose="020F0502020204030204" pitchFamily="34" charset="0"/>
+                <a:cs typeface="Times New Roman" panose="02020603050405020304" pitchFamily="18" charset="0"/>
+              </a:rPr>
+              <a:t> </a:t>
+            </a:r>
+            <a:r>
+              <a:rPr lang="en-US" sz="2400" dirty="0" err="1">
+                <a:effectLst/>
+                <a:latin typeface="Calibri (Body)"/>
+                <a:ea typeface="Calibri" panose="020F0502020204030204" pitchFamily="34" charset="0"/>
+                <a:cs typeface="Times New Roman" panose="02020603050405020304" pitchFamily="18" charset="0"/>
+              </a:rPr>
+              <a:t>gian</a:t>
+            </a:r>
+            <a:r>
+              <a:rPr lang="en-US" sz="2400" dirty="0">
+                <a:effectLst/>
+                <a:latin typeface="Calibri (Body)"/>
+                <a:ea typeface="Calibri" panose="020F0502020204030204" pitchFamily="34" charset="0"/>
+                <a:cs typeface="Times New Roman" panose="02020603050405020304" pitchFamily="18" charset="0"/>
+              </a:rPr>
+              <a:t> và chi </a:t>
+            </a:r>
+            <a:r>
+              <a:rPr lang="en-US" sz="2400" dirty="0" err="1">
+                <a:effectLst/>
+                <a:latin typeface="Calibri (Body)"/>
+                <a:ea typeface="Calibri" panose="020F0502020204030204" pitchFamily="34" charset="0"/>
+                <a:cs typeface="Times New Roman" panose="02020603050405020304" pitchFamily="18" charset="0"/>
+              </a:rPr>
+              <a:t>phí</a:t>
+            </a:r>
+            <a:endParaRPr lang="en-US" sz="2400" dirty="0">
+              <a:effectLst/>
+              <a:latin typeface="Calibri (Body)"/>
+              <a:ea typeface="Calibri" panose="020F0502020204030204" pitchFamily="34" charset="0"/>
+              <a:cs typeface="Times New Roman" panose="02020603050405020304" pitchFamily="18" charset="0"/>
+            </a:endParaRPr>
+          </a:p>
+          <a:p>
+            <a:pPr marL="800100" lvl="1" indent="-342900">
+              <a:lnSpc>
+                <a:spcPct val="150000"/>
+              </a:lnSpc>
+              <a:buFont typeface="Arial" panose="020B0604020202020204" pitchFamily="34" charset="0"/>
+              <a:buChar char="•"/>
+            </a:pPr>
+            <a:r>
+              <a:rPr lang="en-US" sz="2400" dirty="0" err="1">
+                <a:effectLst/>
+                <a:latin typeface="Calibri (Body)"/>
+                <a:ea typeface="Calibri" panose="020F0502020204030204" pitchFamily="34" charset="0"/>
+                <a:cs typeface="Times New Roman" panose="02020603050405020304" pitchFamily="18" charset="0"/>
+              </a:rPr>
+              <a:t>Nâng</a:t>
+            </a:r>
+            <a:r>
+              <a:rPr lang="en-US" sz="2400" dirty="0">
+                <a:effectLst/>
+                <a:latin typeface="Calibri (Body)"/>
+                <a:ea typeface="Calibri" panose="020F0502020204030204" pitchFamily="34" charset="0"/>
+                <a:cs typeface="Times New Roman" panose="02020603050405020304" pitchFamily="18" charset="0"/>
+              </a:rPr>
+              <a:t> </a:t>
+            </a:r>
+            <a:r>
+              <a:rPr lang="en-US" sz="2400" dirty="0" err="1">
+                <a:effectLst/>
+                <a:latin typeface="Calibri (Body)"/>
+                <a:ea typeface="Calibri" panose="020F0502020204030204" pitchFamily="34" charset="0"/>
+                <a:cs typeface="Times New Roman" panose="02020603050405020304" pitchFamily="18" charset="0"/>
+              </a:rPr>
+              <a:t>cao</a:t>
+            </a:r>
+            <a:r>
+              <a:rPr lang="en-US" sz="2400" dirty="0">
+                <a:effectLst/>
+                <a:latin typeface="Calibri (Body)"/>
+                <a:ea typeface="Calibri" panose="020F0502020204030204" pitchFamily="34" charset="0"/>
+                <a:cs typeface="Times New Roman" panose="02020603050405020304" pitchFamily="18" charset="0"/>
+              </a:rPr>
+              <a:t> </a:t>
+            </a:r>
+            <a:r>
+              <a:rPr lang="en-US" sz="2400" dirty="0" err="1">
+                <a:effectLst/>
+                <a:latin typeface="Calibri (Body)"/>
+                <a:ea typeface="Calibri" panose="020F0502020204030204" pitchFamily="34" charset="0"/>
+                <a:cs typeface="Times New Roman" panose="02020603050405020304" pitchFamily="18" charset="0"/>
+              </a:rPr>
+              <a:t>khả</a:t>
+            </a:r>
+            <a:r>
+              <a:rPr lang="en-US" sz="2400" dirty="0">
+                <a:effectLst/>
+                <a:latin typeface="Calibri (Body)"/>
+                <a:ea typeface="Calibri" panose="020F0502020204030204" pitchFamily="34" charset="0"/>
+                <a:cs typeface="Times New Roman" panose="02020603050405020304" pitchFamily="18" charset="0"/>
+              </a:rPr>
+              <a:t> năng </a:t>
+            </a:r>
+            <a:r>
+              <a:rPr lang="en-US" sz="2400" dirty="0" err="1">
+                <a:effectLst/>
+                <a:latin typeface="Calibri (Body)"/>
+                <a:ea typeface="Calibri" panose="020F0502020204030204" pitchFamily="34" charset="0"/>
+                <a:cs typeface="Times New Roman" panose="02020603050405020304" pitchFamily="18" charset="0"/>
+              </a:rPr>
+              <a:t>phối</a:t>
+            </a:r>
+            <a:r>
+              <a:rPr lang="en-US" sz="2400" dirty="0">
+                <a:effectLst/>
+                <a:latin typeface="Calibri (Body)"/>
+                <a:ea typeface="Calibri" panose="020F0502020204030204" pitchFamily="34" charset="0"/>
+                <a:cs typeface="Times New Roman" panose="02020603050405020304" pitchFamily="18" charset="0"/>
+              </a:rPr>
+              <a:t> hợp với các </a:t>
+            </a:r>
+            <a:r>
+              <a:rPr lang="en-US" sz="2400" dirty="0" err="1">
+                <a:effectLst/>
+                <a:latin typeface="Calibri (Body)"/>
+                <a:ea typeface="Calibri" panose="020F0502020204030204" pitchFamily="34" charset="0"/>
+                <a:cs typeface="Times New Roman" panose="02020603050405020304" pitchFamily="18" charset="0"/>
+              </a:rPr>
+              <a:t>nhà</a:t>
+            </a:r>
+            <a:r>
+              <a:rPr lang="en-US" sz="2400" dirty="0">
+                <a:effectLst/>
+                <a:latin typeface="Calibri (Body)"/>
+                <a:ea typeface="Calibri" panose="020F0502020204030204" pitchFamily="34" charset="0"/>
+                <a:cs typeface="Times New Roman" panose="02020603050405020304" pitchFamily="18" charset="0"/>
+              </a:rPr>
+              <a:t> </a:t>
+            </a:r>
+            <a:r>
+              <a:rPr lang="en-US" sz="2400" dirty="0" err="1">
+                <a:effectLst/>
+                <a:latin typeface="Calibri (Body)"/>
+                <a:ea typeface="Calibri" panose="020F0502020204030204" pitchFamily="34" charset="0"/>
+                <a:cs typeface="Times New Roman" panose="02020603050405020304" pitchFamily="18" charset="0"/>
+              </a:rPr>
+              <a:t>cung</a:t>
+            </a:r>
+            <a:r>
+              <a:rPr lang="en-US" sz="2400" dirty="0">
+                <a:effectLst/>
+                <a:latin typeface="Calibri (Body)"/>
+                <a:ea typeface="Calibri" panose="020F0502020204030204" pitchFamily="34" charset="0"/>
+                <a:cs typeface="Times New Roman" panose="02020603050405020304" pitchFamily="18" charset="0"/>
+              </a:rPr>
+              <a:t> </a:t>
+            </a:r>
+            <a:r>
+              <a:rPr lang="en-US" sz="2400" dirty="0" err="1">
+                <a:effectLst/>
+                <a:latin typeface="Calibri (Body)"/>
+                <a:ea typeface="Calibri" panose="020F0502020204030204" pitchFamily="34" charset="0"/>
+                <a:cs typeface="Times New Roman" panose="02020603050405020304" pitchFamily="18" charset="0"/>
+              </a:rPr>
+              <a:t>cấp</a:t>
+            </a:r>
+            <a:endParaRPr lang="en-US" sz="2400" dirty="0">
+              <a:effectLst/>
+              <a:latin typeface="Calibri (Body)"/>
+              <a:ea typeface="Calibri" panose="020F0502020204030204" pitchFamily="34" charset="0"/>
+              <a:cs typeface="Times New Roman" panose="02020603050405020304" pitchFamily="18" charset="0"/>
+            </a:endParaRPr>
+          </a:p>
+          <a:p>
+            <a:pPr marL="800100" lvl="1" indent="-342900">
+              <a:lnSpc>
+                <a:spcPct val="150000"/>
+              </a:lnSpc>
+              <a:buFont typeface="Arial" panose="020B0604020202020204" pitchFamily="34" charset="0"/>
+              <a:buChar char="•"/>
+            </a:pPr>
+            <a:r>
+              <a:rPr lang="en-US" sz="2400" dirty="0" err="1">
+                <a:effectLst/>
+                <a:latin typeface="Calibri (Body)"/>
+                <a:ea typeface="Calibri" panose="020F0502020204030204" pitchFamily="34" charset="0"/>
+                <a:cs typeface="Times New Roman" panose="02020603050405020304" pitchFamily="18" charset="0"/>
+              </a:rPr>
+              <a:t>Nâng</a:t>
+            </a:r>
+            <a:r>
+              <a:rPr lang="en-US" sz="2400" dirty="0">
+                <a:effectLst/>
+                <a:latin typeface="Calibri (Body)"/>
+                <a:ea typeface="Calibri" panose="020F0502020204030204" pitchFamily="34" charset="0"/>
+                <a:cs typeface="Times New Roman" panose="02020603050405020304" pitchFamily="18" charset="0"/>
+              </a:rPr>
+              <a:t> </a:t>
+            </a:r>
+            <a:r>
+              <a:rPr lang="en-US" sz="2400" dirty="0" err="1">
+                <a:effectLst/>
+                <a:latin typeface="Calibri (Body)"/>
+                <a:ea typeface="Calibri" panose="020F0502020204030204" pitchFamily="34" charset="0"/>
+                <a:cs typeface="Times New Roman" panose="02020603050405020304" pitchFamily="18" charset="0"/>
+              </a:rPr>
+              <a:t>cao</a:t>
+            </a:r>
+            <a:r>
+              <a:rPr lang="en-US" sz="2400" dirty="0">
+                <a:effectLst/>
+                <a:latin typeface="Calibri (Body)"/>
+                <a:ea typeface="Calibri" panose="020F0502020204030204" pitchFamily="34" charset="0"/>
+                <a:cs typeface="Times New Roman" panose="02020603050405020304" pitchFamily="18" charset="0"/>
+              </a:rPr>
+              <a:t> hiệu quả </a:t>
+            </a:r>
+            <a:r>
+              <a:rPr lang="en-US" sz="2400" dirty="0" err="1">
+                <a:effectLst/>
+                <a:latin typeface="Calibri (Body)"/>
+                <a:ea typeface="Calibri" panose="020F0502020204030204" pitchFamily="34" charset="0"/>
+                <a:cs typeface="Times New Roman" panose="02020603050405020304" pitchFamily="18" charset="0"/>
+              </a:rPr>
+              <a:t>kinh</a:t>
+            </a:r>
+            <a:r>
+              <a:rPr lang="en-US" sz="2400" dirty="0">
+                <a:effectLst/>
+                <a:latin typeface="Calibri (Body)"/>
+                <a:ea typeface="Calibri" panose="020F0502020204030204" pitchFamily="34" charset="0"/>
+                <a:cs typeface="Times New Roman" panose="02020603050405020304" pitchFamily="18" charset="0"/>
+              </a:rPr>
+              <a:t> </a:t>
+            </a:r>
+            <a:r>
+              <a:rPr lang="en-US" sz="2400" dirty="0" err="1">
+                <a:effectLst/>
+                <a:latin typeface="Calibri (Body)"/>
+                <a:ea typeface="Calibri" panose="020F0502020204030204" pitchFamily="34" charset="0"/>
+                <a:cs typeface="Times New Roman" panose="02020603050405020304" pitchFamily="18" charset="0"/>
+              </a:rPr>
+              <a:t>doanh</a:t>
+            </a:r>
+            <a:endParaRPr lang="en-US" sz="2400" dirty="0">
+              <a:effectLst/>
+              <a:latin typeface="Calibri (Body)"/>
+              <a:ea typeface="Calibri" panose="020F0502020204030204" pitchFamily="34" charset="0"/>
+              <a:cs typeface="Times New Roman" panose="02020603050405020304" pitchFamily="18" charset="0"/>
+            </a:endParaRPr>
+          </a:p>
+          <a:p>
+            <a:pPr marL="800100" lvl="1" indent="-342900">
+              <a:lnSpc>
+                <a:spcPct val="150000"/>
+              </a:lnSpc>
+              <a:buFont typeface="Arial" panose="020B0604020202020204" pitchFamily="34" charset="0"/>
+              <a:buChar char="•"/>
+            </a:pPr>
+            <a:r>
+              <a:rPr lang="en-US" sz="2400" dirty="0" err="1">
+                <a:effectLst/>
+                <a:latin typeface="Calibri (Body)"/>
+                <a:ea typeface="Calibri" panose="020F0502020204030204" pitchFamily="34" charset="0"/>
+                <a:cs typeface="Times New Roman" panose="02020603050405020304" pitchFamily="18" charset="0"/>
+              </a:rPr>
+              <a:t>Cải</a:t>
+            </a:r>
+            <a:r>
+              <a:rPr lang="en-US" sz="2400" dirty="0">
+                <a:effectLst/>
+                <a:latin typeface="Calibri (Body)"/>
+                <a:ea typeface="Calibri" panose="020F0502020204030204" pitchFamily="34" charset="0"/>
+                <a:cs typeface="Times New Roman" panose="02020603050405020304" pitchFamily="18" charset="0"/>
+              </a:rPr>
+              <a:t> </a:t>
+            </a:r>
+            <a:r>
+              <a:rPr lang="en-US" sz="2400" dirty="0" err="1">
+                <a:effectLst/>
+                <a:latin typeface="Calibri (Body)"/>
+                <a:ea typeface="Calibri" panose="020F0502020204030204" pitchFamily="34" charset="0"/>
+                <a:cs typeface="Times New Roman" panose="02020603050405020304" pitchFamily="18" charset="0"/>
+              </a:rPr>
+              <a:t>thiện</a:t>
+            </a:r>
+            <a:r>
+              <a:rPr lang="en-US" sz="2400" dirty="0">
+                <a:effectLst/>
+                <a:latin typeface="Calibri (Body)"/>
+                <a:ea typeface="Calibri" panose="020F0502020204030204" pitchFamily="34" charset="0"/>
+                <a:cs typeface="Times New Roman" panose="02020603050405020304" pitchFamily="18" charset="0"/>
+              </a:rPr>
+              <a:t> </a:t>
+            </a:r>
+            <a:r>
+              <a:rPr lang="en-US" sz="2400" dirty="0" err="1">
+                <a:effectLst/>
+                <a:latin typeface="Calibri (Body)"/>
+                <a:ea typeface="Calibri" panose="020F0502020204030204" pitchFamily="34" charset="0"/>
+                <a:cs typeface="Times New Roman" panose="02020603050405020304" pitchFamily="18" charset="0"/>
+              </a:rPr>
+              <a:t>khả</a:t>
+            </a:r>
+            <a:r>
+              <a:rPr lang="en-US" sz="2400" dirty="0">
+                <a:effectLst/>
+                <a:latin typeface="Calibri (Body)"/>
+                <a:ea typeface="Calibri" panose="020F0502020204030204" pitchFamily="34" charset="0"/>
+                <a:cs typeface="Times New Roman" panose="02020603050405020304" pitchFamily="18" charset="0"/>
+              </a:rPr>
+              <a:t> năng </a:t>
+            </a:r>
+            <a:r>
+              <a:rPr lang="en-US" sz="2400" dirty="0" err="1">
+                <a:effectLst/>
+                <a:latin typeface="Calibri (Body)"/>
+                <a:ea typeface="Calibri" panose="020F0502020204030204" pitchFamily="34" charset="0"/>
+                <a:cs typeface="Times New Roman" panose="02020603050405020304" pitchFamily="18" charset="0"/>
+              </a:rPr>
+              <a:t>quản</a:t>
+            </a:r>
+            <a:r>
+              <a:rPr lang="en-US" sz="2400" dirty="0">
+                <a:effectLst/>
+                <a:latin typeface="Calibri (Body)"/>
+                <a:ea typeface="Calibri" panose="020F0502020204030204" pitchFamily="34" charset="0"/>
+                <a:cs typeface="Times New Roman" panose="02020603050405020304" pitchFamily="18" charset="0"/>
+              </a:rPr>
+              <a:t> </a:t>
+            </a:r>
+            <a:r>
+              <a:rPr lang="en-US" sz="2400" dirty="0" err="1">
+                <a:effectLst/>
+                <a:latin typeface="Calibri (Body)"/>
+                <a:ea typeface="Calibri" panose="020F0502020204030204" pitchFamily="34" charset="0"/>
+                <a:cs typeface="Times New Roman" panose="02020603050405020304" pitchFamily="18" charset="0"/>
+              </a:rPr>
+              <a:t>lý</a:t>
+            </a:r>
+            <a:r>
+              <a:rPr lang="en-US" sz="2400" dirty="0">
+                <a:effectLst/>
+                <a:latin typeface="Calibri (Body)"/>
+                <a:ea typeface="Calibri" panose="020F0502020204030204" pitchFamily="34" charset="0"/>
+                <a:cs typeface="Times New Roman" panose="02020603050405020304" pitchFamily="18" charset="0"/>
+              </a:rPr>
+              <a:t>, </a:t>
+            </a:r>
+            <a:r>
+              <a:rPr lang="en-US" sz="2400" dirty="0" err="1">
+                <a:effectLst/>
+                <a:latin typeface="Calibri (Body)"/>
+                <a:ea typeface="Calibri" panose="020F0502020204030204" pitchFamily="34" charset="0"/>
+                <a:cs typeface="Times New Roman" panose="02020603050405020304" pitchFamily="18" charset="0"/>
+              </a:rPr>
+              <a:t>lưu</a:t>
+            </a:r>
+            <a:r>
+              <a:rPr lang="en-US" sz="2400" dirty="0">
+                <a:effectLst/>
+                <a:latin typeface="Calibri (Body)"/>
+                <a:ea typeface="Calibri" panose="020F0502020204030204" pitchFamily="34" charset="0"/>
+                <a:cs typeface="Times New Roman" panose="02020603050405020304" pitchFamily="18" charset="0"/>
+              </a:rPr>
+              <a:t> </a:t>
+            </a:r>
+            <a:r>
+              <a:rPr lang="en-US" sz="2400" dirty="0" err="1">
+                <a:effectLst/>
+                <a:latin typeface="Calibri (Body)"/>
+                <a:ea typeface="Calibri" panose="020F0502020204030204" pitchFamily="34" charset="0"/>
+                <a:cs typeface="Times New Roman" panose="02020603050405020304" pitchFamily="18" charset="0"/>
+              </a:rPr>
+              <a:t>trữ</a:t>
+            </a:r>
+            <a:r>
+              <a:rPr lang="en-US" sz="2400" dirty="0">
+                <a:effectLst/>
+                <a:latin typeface="Calibri (Body)"/>
+                <a:ea typeface="Calibri" panose="020F0502020204030204" pitchFamily="34" charset="0"/>
+                <a:cs typeface="Times New Roman" panose="02020603050405020304" pitchFamily="18" charset="0"/>
+              </a:rPr>
+              <a:t> </a:t>
+            </a:r>
+            <a:r>
+              <a:rPr lang="en-US" sz="2400" dirty="0" err="1">
+                <a:effectLst/>
+                <a:latin typeface="Calibri (Body)"/>
+                <a:ea typeface="Calibri" panose="020F0502020204030204" pitchFamily="34" charset="0"/>
+                <a:cs typeface="Times New Roman" panose="02020603050405020304" pitchFamily="18" charset="0"/>
+              </a:rPr>
+              <a:t>sản</a:t>
+            </a:r>
+            <a:r>
+              <a:rPr lang="en-US" sz="2400" dirty="0">
+                <a:effectLst/>
+                <a:latin typeface="Calibri (Body)"/>
+                <a:ea typeface="Calibri" panose="020F0502020204030204" pitchFamily="34" charset="0"/>
+                <a:cs typeface="Times New Roman" panose="02020603050405020304" pitchFamily="18" charset="0"/>
+              </a:rPr>
+              <a:t> </a:t>
+            </a:r>
+            <a:r>
+              <a:rPr lang="en-US" sz="2400" dirty="0" err="1">
+                <a:effectLst/>
+                <a:latin typeface="Calibri (Body)"/>
+                <a:ea typeface="Calibri" panose="020F0502020204030204" pitchFamily="34" charset="0"/>
+                <a:cs typeface="Times New Roman" panose="02020603050405020304" pitchFamily="18" charset="0"/>
+              </a:rPr>
+              <a:t>phẩm</a:t>
+            </a:r>
+            <a:endParaRPr lang="en-US" sz="2400" dirty="0">
+              <a:effectLst/>
+              <a:latin typeface="Calibri (Body)"/>
+              <a:ea typeface="Calibri" panose="020F0502020204030204" pitchFamily="34" charset="0"/>
+              <a:cs typeface="Times New Roman" panose="02020603050405020304" pitchFamily="18" charset="0"/>
+            </a:endParaRPr>
           </a:p>
         </p:txBody>
       </p:sp>
     </p:spTree>
     <p:extLst>
       <p:ext uri="{BB962C8B-B14F-4D97-AF65-F5344CB8AC3E}">
-        <p14:creationId xmlns:p14="http://schemas.microsoft.com/office/powerpoint/2010/main" val="4019531327"/>
+        <p14:creationId xmlns:p14="http://schemas.microsoft.com/office/powerpoint/2010/main" val="254817410"/>
       </p:ext>
     </p:extLst>
   </p:cSld>
@@ -5414,6 +7072,545 @@
       </p:grpSpPr>
       <p:sp>
         <p:nvSpPr>
+          <p:cNvPr id="3" name="Title 2"/>
+          <p:cNvSpPr>
+            <a:spLocks noGrp="1"/>
+          </p:cNvSpPr>
+          <p:nvPr>
+            <p:ph type="title"/>
+          </p:nvPr>
+        </p:nvSpPr>
+        <p:spPr/>
+        <p:txBody>
+          <a:bodyPr>
+            <a:normAutofit/>
+          </a:bodyPr>
+          <a:lstStyle/>
+          <a:p>
+            <a:r>
+              <a:rPr lang="en-US" sz="4800" b="1" dirty="0" err="1">
+                <a:latin typeface="Calibri (Headings)"/>
+              </a:rPr>
+              <a:t>Giải</a:t>
+            </a:r>
+            <a:r>
+              <a:rPr lang="en-US" sz="4800" b="1" dirty="0">
+                <a:latin typeface="Calibri (Headings)"/>
+              </a:rPr>
+              <a:t> </a:t>
+            </a:r>
+            <a:r>
+              <a:rPr lang="en-US" sz="4800" b="1" dirty="0" err="1">
+                <a:latin typeface="Calibri (Headings)"/>
+              </a:rPr>
+              <a:t>pháp</a:t>
+            </a:r>
+            <a:endParaRPr lang="en-US" sz="4800" b="1" dirty="0">
+              <a:latin typeface="Calibri (Headings)"/>
+            </a:endParaRPr>
+          </a:p>
+        </p:txBody>
+      </p:sp>
+      <p:sp>
+        <p:nvSpPr>
+          <p:cNvPr id="4" name="TextBox 3">
+            <a:extLst>
+              <a:ext uri="{FF2B5EF4-FFF2-40B4-BE49-F238E27FC236}">
+                <a16:creationId xmlns:a16="http://schemas.microsoft.com/office/drawing/2014/main" id="{2F73C83C-C663-43AF-98BC-93CBB147A3D3}"/>
+              </a:ext>
+            </a:extLst>
+          </p:cNvPr>
+          <p:cNvSpPr txBox="1"/>
+          <p:nvPr/>
+        </p:nvSpPr>
+        <p:spPr>
+          <a:xfrm>
+            <a:off x="914400" y="1589315"/>
+            <a:ext cx="10330543" cy="3913059"/>
+          </a:xfrm>
+          <a:prstGeom prst="rect">
+            <a:avLst/>
+          </a:prstGeom>
+          <a:noFill/>
+        </p:spPr>
+        <p:txBody>
+          <a:bodyPr wrap="square" rtlCol="0">
+            <a:spAutoFit/>
+          </a:bodyPr>
+          <a:lstStyle/>
+          <a:p>
+            <a:pPr marL="342900" indent="-342900">
+              <a:lnSpc>
+                <a:spcPct val="150000"/>
+              </a:lnSpc>
+              <a:buFont typeface="Arial" panose="020B0604020202020204" pitchFamily="34" charset="0"/>
+              <a:buChar char="•"/>
+            </a:pPr>
+            <a:r>
+              <a:rPr lang="en-US" sz="2400" dirty="0" err="1"/>
+              <a:t>Nhân</a:t>
+            </a:r>
+            <a:r>
+              <a:rPr lang="en-US" sz="2400" dirty="0"/>
+              <a:t> viên </a:t>
+            </a:r>
+            <a:r>
+              <a:rPr lang="en-US" sz="2400" dirty="0" err="1"/>
+              <a:t>kho</a:t>
+            </a:r>
+            <a:r>
+              <a:rPr lang="en-US" sz="2400" dirty="0"/>
+              <a:t>:</a:t>
+            </a:r>
+          </a:p>
+          <a:p>
+            <a:pPr marL="800100" lvl="1" indent="-342900">
+              <a:lnSpc>
+                <a:spcPct val="150000"/>
+              </a:lnSpc>
+              <a:buFont typeface="Arial" panose="020B0604020202020204" pitchFamily="34" charset="0"/>
+              <a:buChar char="•"/>
+            </a:pPr>
+            <a:r>
+              <a:rPr lang="en-US" sz="2400" dirty="0" err="1"/>
+              <a:t>Quản</a:t>
+            </a:r>
+            <a:r>
+              <a:rPr lang="en-US" sz="2400" dirty="0"/>
+              <a:t> </a:t>
+            </a:r>
+            <a:r>
+              <a:rPr lang="en-US" sz="2400" dirty="0" err="1"/>
+              <a:t>lý</a:t>
+            </a:r>
+            <a:r>
+              <a:rPr lang="en-US" sz="2400" dirty="0"/>
+              <a:t> đơn </a:t>
+            </a:r>
+            <a:r>
+              <a:rPr lang="en-US" sz="2400" dirty="0" err="1"/>
+              <a:t>nhập</a:t>
+            </a:r>
+            <a:r>
+              <a:rPr lang="en-US" sz="2400" dirty="0"/>
+              <a:t> hàng</a:t>
+            </a:r>
+          </a:p>
+          <a:p>
+            <a:pPr marL="800100" lvl="1" indent="-342900">
+              <a:lnSpc>
+                <a:spcPct val="150000"/>
+              </a:lnSpc>
+              <a:buFont typeface="Arial" panose="020B0604020202020204" pitchFamily="34" charset="0"/>
+              <a:buChar char="•"/>
+            </a:pPr>
+            <a:r>
+              <a:rPr lang="en-US" sz="2400" dirty="0" err="1"/>
+              <a:t>Quản</a:t>
+            </a:r>
+            <a:r>
+              <a:rPr lang="en-US" sz="2400" dirty="0"/>
+              <a:t> </a:t>
+            </a:r>
+            <a:r>
+              <a:rPr lang="en-US" sz="2400" dirty="0" err="1"/>
+              <a:t>lý</a:t>
+            </a:r>
+            <a:r>
+              <a:rPr lang="en-US" sz="2400" dirty="0"/>
+              <a:t> </a:t>
+            </a:r>
+            <a:r>
+              <a:rPr lang="en-US" sz="2400" dirty="0" err="1"/>
+              <a:t>sản</a:t>
+            </a:r>
+            <a:r>
+              <a:rPr lang="en-US" sz="2400" dirty="0"/>
+              <a:t> </a:t>
+            </a:r>
+            <a:r>
+              <a:rPr lang="en-US" sz="2400" dirty="0" err="1"/>
+              <a:t>phẩm</a:t>
+            </a:r>
+            <a:endParaRPr lang="en-US" sz="2400" dirty="0"/>
+          </a:p>
+          <a:p>
+            <a:pPr marL="800100" lvl="1" indent="-342900">
+              <a:lnSpc>
+                <a:spcPct val="150000"/>
+              </a:lnSpc>
+              <a:buFont typeface="Arial" panose="020B0604020202020204" pitchFamily="34" charset="0"/>
+              <a:buChar char="•"/>
+            </a:pPr>
+            <a:r>
+              <a:rPr lang="en-US" sz="2400" dirty="0" err="1"/>
+              <a:t>Quản</a:t>
+            </a:r>
+            <a:r>
+              <a:rPr lang="en-US" sz="2400" dirty="0"/>
+              <a:t> </a:t>
+            </a:r>
+            <a:r>
+              <a:rPr lang="en-US" sz="2400" dirty="0" err="1"/>
+              <a:t>lý</a:t>
+            </a:r>
+            <a:r>
+              <a:rPr lang="en-US" sz="2400" dirty="0"/>
+              <a:t> </a:t>
+            </a:r>
+            <a:r>
+              <a:rPr lang="en-US" sz="2400" dirty="0" err="1"/>
+              <a:t>nhà</a:t>
+            </a:r>
+            <a:r>
+              <a:rPr lang="en-US" sz="2400" dirty="0"/>
+              <a:t> </a:t>
+            </a:r>
+            <a:r>
+              <a:rPr lang="en-US" sz="2400" dirty="0" err="1"/>
+              <a:t>cung</a:t>
+            </a:r>
+            <a:r>
+              <a:rPr lang="en-US" sz="2400" dirty="0"/>
+              <a:t> </a:t>
+            </a:r>
+            <a:r>
+              <a:rPr lang="en-US" sz="2400" dirty="0" err="1"/>
+              <a:t>cấp</a:t>
+            </a:r>
+            <a:endParaRPr lang="en-US" sz="2400" dirty="0"/>
+          </a:p>
+          <a:p>
+            <a:pPr marL="342900" indent="-342900">
+              <a:lnSpc>
+                <a:spcPct val="150000"/>
+              </a:lnSpc>
+              <a:buFont typeface="Arial" panose="020B0604020202020204" pitchFamily="34" charset="0"/>
+              <a:buChar char="•"/>
+            </a:pPr>
+            <a:r>
+              <a:rPr lang="en-US" sz="2400" dirty="0" err="1"/>
+              <a:t>Kế</a:t>
+            </a:r>
+            <a:r>
+              <a:rPr lang="en-US" sz="2400" dirty="0"/>
+              <a:t> </a:t>
+            </a:r>
+            <a:r>
+              <a:rPr lang="en-US" sz="2400" dirty="0" err="1"/>
+              <a:t>toán</a:t>
+            </a:r>
+            <a:r>
+              <a:rPr lang="en-US" sz="2400" dirty="0"/>
+              <a:t>:</a:t>
+            </a:r>
+          </a:p>
+          <a:p>
+            <a:pPr marL="800100" lvl="1" indent="-342900">
+              <a:lnSpc>
+                <a:spcPct val="150000"/>
+              </a:lnSpc>
+              <a:buFont typeface="Arial" panose="020B0604020202020204" pitchFamily="34" charset="0"/>
+              <a:buChar char="•"/>
+            </a:pPr>
+            <a:r>
+              <a:rPr lang="en-US" sz="2400" dirty="0"/>
+              <a:t>Thanh </a:t>
+            </a:r>
+            <a:r>
+              <a:rPr lang="en-US" sz="2400" dirty="0" err="1"/>
+              <a:t>toán</a:t>
+            </a:r>
+            <a:r>
+              <a:rPr lang="en-US" sz="2400" dirty="0"/>
+              <a:t> đơn </a:t>
+            </a:r>
+            <a:r>
+              <a:rPr lang="en-US" sz="2400" dirty="0" err="1"/>
+              <a:t>nhập</a:t>
+            </a:r>
+            <a:r>
+              <a:rPr lang="en-US" sz="2400" dirty="0"/>
+              <a:t> hàng</a:t>
+            </a:r>
+          </a:p>
+          <a:p>
+            <a:pPr marL="342900" indent="-342900">
+              <a:lnSpc>
+                <a:spcPct val="150000"/>
+              </a:lnSpc>
+              <a:buFont typeface="Arial" panose="020B0604020202020204" pitchFamily="34" charset="0"/>
+              <a:buChar char="•"/>
+            </a:pPr>
+            <a:r>
+              <a:rPr lang="en-US" sz="2400" dirty="0" err="1"/>
+              <a:t>Quản</a:t>
+            </a:r>
+            <a:r>
+              <a:rPr lang="en-US" sz="2400" dirty="0"/>
+              <a:t> </a:t>
+            </a:r>
+            <a:r>
+              <a:rPr lang="en-US" sz="2400" dirty="0" err="1"/>
+              <a:t>lý</a:t>
+            </a:r>
+            <a:r>
+              <a:rPr lang="en-US" sz="2400" dirty="0"/>
+              <a:t>: </a:t>
+            </a:r>
+            <a:r>
+              <a:rPr lang="en-US" sz="2400" dirty="0" err="1"/>
+              <a:t>thực</a:t>
+            </a:r>
+            <a:r>
+              <a:rPr lang="en-US" sz="2400" dirty="0"/>
+              <a:t> </a:t>
+            </a:r>
+            <a:r>
+              <a:rPr lang="en-US" sz="2400" dirty="0" err="1"/>
+              <a:t>hiện</a:t>
+            </a:r>
+            <a:r>
+              <a:rPr lang="en-US" sz="2400" dirty="0"/>
+              <a:t> các </a:t>
+            </a:r>
+            <a:r>
+              <a:rPr lang="en-US" sz="2400" dirty="0" err="1"/>
+              <a:t>chức</a:t>
+            </a:r>
+            <a:r>
+              <a:rPr lang="en-US" sz="2400" dirty="0"/>
+              <a:t> năng của </a:t>
+            </a:r>
+            <a:r>
+              <a:rPr lang="en-US" sz="2400" dirty="0" err="1"/>
+              <a:t>nhân</a:t>
+            </a:r>
+            <a:r>
+              <a:rPr lang="en-US" sz="2400" dirty="0"/>
+              <a:t> viên </a:t>
+            </a:r>
+            <a:r>
+              <a:rPr lang="en-US" sz="2400" dirty="0" err="1"/>
+              <a:t>kho</a:t>
+            </a:r>
+            <a:r>
+              <a:rPr lang="en-US" sz="2400" dirty="0"/>
+              <a:t> và </a:t>
+            </a:r>
+            <a:r>
+              <a:rPr lang="en-US" sz="2400" dirty="0" err="1"/>
+              <a:t>kế</a:t>
+            </a:r>
+            <a:r>
+              <a:rPr lang="en-US" sz="2400" dirty="0"/>
+              <a:t> </a:t>
+            </a:r>
+            <a:r>
+              <a:rPr lang="en-US" sz="2400" dirty="0" err="1"/>
+              <a:t>toán</a:t>
+            </a:r>
+            <a:endParaRPr lang="en-US" sz="2400" dirty="0"/>
+          </a:p>
+        </p:txBody>
+      </p:sp>
+    </p:spTree>
+    <p:extLst>
+      <p:ext uri="{BB962C8B-B14F-4D97-AF65-F5344CB8AC3E}">
+        <p14:creationId xmlns:p14="http://schemas.microsoft.com/office/powerpoint/2010/main" val="1595516121"/>
+      </p:ext>
+    </p:extLst>
+  </p:cSld>
+  <p:clrMapOvr>
+    <a:masterClrMapping/>
+  </p:clrMapOvr>
+</p:sld>
+</file>
+
+<file path=ppt/slides/slide7.xml><?xml version="1.0" encoding="utf-8"?>
+<p:sld xmlns:a="http://schemas.openxmlformats.org/drawingml/2006/main" xmlns:r="http://schemas.openxmlformats.org/officeDocument/2006/relationships" xmlns:p="http://schemas.openxmlformats.org/presentationml/2006/main">
+  <p:cSld>
+    <p:spTree>
+      <p:nvGrpSpPr>
+        <p:cNvPr id="1" name=""/>
+        <p:cNvGrpSpPr/>
+        <p:nvPr/>
+      </p:nvGrpSpPr>
+      <p:grpSpPr>
+        <a:xfrm>
+          <a:off x="0" y="0"/>
+          <a:ext cx="0" cy="0"/>
+          <a:chOff x="0" y="0"/>
+          <a:chExt cx="0" cy="0"/>
+        </a:xfrm>
+      </p:grpSpPr>
+      <p:sp>
+        <p:nvSpPr>
+          <p:cNvPr id="2" name="Title 1">
+            <a:extLst>
+              <a:ext uri="{FF2B5EF4-FFF2-40B4-BE49-F238E27FC236}">
+                <a16:creationId xmlns:a16="http://schemas.microsoft.com/office/drawing/2014/main" id="{0EDEB295-1E12-4D56-9471-42835C0776EF}"/>
+              </a:ext>
+            </a:extLst>
+          </p:cNvPr>
+          <p:cNvSpPr>
+            <a:spLocks noGrp="1"/>
+          </p:cNvSpPr>
+          <p:nvPr>
+            <p:ph type="title"/>
+          </p:nvPr>
+        </p:nvSpPr>
+        <p:spPr/>
+        <p:txBody>
+          <a:bodyPr>
+            <a:normAutofit/>
+          </a:bodyPr>
+          <a:lstStyle/>
+          <a:p>
+            <a:r>
+              <a:rPr lang="en-US" sz="4800" b="1" dirty="0" err="1">
+                <a:latin typeface="Calibri (Headings)"/>
+              </a:rPr>
+              <a:t>Giải</a:t>
+            </a:r>
+            <a:r>
+              <a:rPr lang="en-US" sz="4800" b="1" dirty="0">
+                <a:latin typeface="Calibri (Headings)"/>
+              </a:rPr>
+              <a:t> </a:t>
+            </a:r>
+            <a:r>
+              <a:rPr lang="en-US" sz="4800" b="1" dirty="0" err="1">
+                <a:latin typeface="Calibri (Headings)"/>
+              </a:rPr>
+              <a:t>pháp</a:t>
+            </a:r>
+            <a:endParaRPr lang="en-US" sz="4800" dirty="0"/>
+          </a:p>
+        </p:txBody>
+      </p:sp>
+      <p:pic>
+        <p:nvPicPr>
+          <p:cNvPr id="5" name="Content Placeholder 4" descr="Diagram&#10;&#10;Description automatically generated">
+            <a:extLst>
+              <a:ext uri="{FF2B5EF4-FFF2-40B4-BE49-F238E27FC236}">
+                <a16:creationId xmlns:a16="http://schemas.microsoft.com/office/drawing/2014/main" id="{DBFE0219-B750-49B9-8290-E622A246C47E}"/>
+              </a:ext>
+            </a:extLst>
+          </p:cNvPr>
+          <p:cNvPicPr>
+            <a:picLocks noGrp="1" noChangeAspect="1"/>
+          </p:cNvPicPr>
+          <p:nvPr>
+            <p:ph idx="1"/>
+          </p:nvPr>
+        </p:nvPicPr>
+        <p:blipFill>
+          <a:blip r:embed="rId2">
+            <a:extLst>
+              <a:ext uri="{28A0092B-C50C-407E-A947-70E740481C1C}">
+                <a14:useLocalDpi xmlns:a14="http://schemas.microsoft.com/office/drawing/2010/main" val="0"/>
+              </a:ext>
+            </a:extLst>
+          </a:blip>
+          <a:stretch>
+            <a:fillRect/>
+          </a:stretch>
+        </p:blipFill>
+        <p:spPr>
+          <a:xfrm>
+            <a:off x="2492829" y="1438747"/>
+            <a:ext cx="7043982" cy="4803530"/>
+          </a:xfrm>
+        </p:spPr>
+      </p:pic>
+      <p:sp>
+        <p:nvSpPr>
+          <p:cNvPr id="6" name="TextBox 5">
+            <a:extLst>
+              <a:ext uri="{FF2B5EF4-FFF2-40B4-BE49-F238E27FC236}">
+                <a16:creationId xmlns:a16="http://schemas.microsoft.com/office/drawing/2014/main" id="{953F9700-A2A0-49FB-87BB-EB40EC91F0F8}"/>
+              </a:ext>
+            </a:extLst>
+          </p:cNvPr>
+          <p:cNvSpPr txBox="1"/>
+          <p:nvPr/>
+        </p:nvSpPr>
+        <p:spPr>
+          <a:xfrm>
+            <a:off x="4201886" y="6368143"/>
+            <a:ext cx="4005943" cy="461665"/>
+          </a:xfrm>
+          <a:prstGeom prst="rect">
+            <a:avLst/>
+          </a:prstGeom>
+          <a:noFill/>
+        </p:spPr>
+        <p:txBody>
+          <a:bodyPr wrap="square" rtlCol="0">
+            <a:spAutoFit/>
+          </a:bodyPr>
+          <a:lstStyle/>
+          <a:p>
+            <a:r>
+              <a:rPr lang="en-US" sz="2400" i="1" dirty="0" err="1"/>
+              <a:t>Hình</a:t>
+            </a:r>
+            <a:r>
+              <a:rPr lang="en-US" sz="2400" i="1" dirty="0"/>
+              <a:t> 1: </a:t>
+            </a:r>
+            <a:r>
+              <a:rPr lang="en-US" sz="2400" i="1" dirty="0" err="1"/>
+              <a:t>Quy</a:t>
+            </a:r>
+            <a:r>
+              <a:rPr lang="en-US" sz="2400" i="1" dirty="0"/>
+              <a:t> trình </a:t>
+            </a:r>
+            <a:r>
+              <a:rPr lang="en-US" sz="2400" i="1" dirty="0" err="1"/>
+              <a:t>nhập</a:t>
+            </a:r>
+            <a:r>
+              <a:rPr lang="en-US" sz="2400" i="1" dirty="0"/>
+              <a:t> hàng</a:t>
+            </a:r>
+          </a:p>
+        </p:txBody>
+      </p:sp>
+    </p:spTree>
+    <p:extLst>
+      <p:ext uri="{BB962C8B-B14F-4D97-AF65-F5344CB8AC3E}">
+        <p14:creationId xmlns:p14="http://schemas.microsoft.com/office/powerpoint/2010/main" val="4019531327"/>
+      </p:ext>
+    </p:extLst>
+  </p:cSld>
+  <p:clrMapOvr>
+    <a:masterClrMapping/>
+  </p:clrMapOvr>
+</p:sld>
+</file>
+
+<file path=ppt/slides/slide8.xml><?xml version="1.0" encoding="utf-8"?>
+<p:sld xmlns:a="http://schemas.openxmlformats.org/drawingml/2006/main" xmlns:r="http://schemas.openxmlformats.org/officeDocument/2006/relationships" xmlns:p="http://schemas.openxmlformats.org/presentationml/2006/main">
+  <p:cSld>
+    <p:spTree>
+      <p:nvGrpSpPr>
+        <p:cNvPr id="1" name=""/>
+        <p:cNvGrpSpPr/>
+        <p:nvPr/>
+      </p:nvGrpSpPr>
+      <p:grpSpPr>
+        <a:xfrm>
+          <a:off x="0" y="0"/>
+          <a:ext cx="0" cy="0"/>
+          <a:chOff x="0" y="0"/>
+          <a:chExt cx="0" cy="0"/>
+        </a:xfrm>
+      </p:grpSpPr>
+      <p:sp>
+        <p:nvSpPr>
           <p:cNvPr id="2" name="Title 1">
             <a:extLst>
               <a:ext uri="{FF2B5EF4-FFF2-40B4-BE49-F238E27FC236}">
@@ -5610,7 +7807,7 @@
 </p:sld>
 </file>
 
-<file path=ppt/slides/slide7.xml><?xml version="1.0" encoding="utf-8"?>
+<file path=ppt/slides/slide9.xml><?xml version="1.0" encoding="utf-8"?>
 <p:sld xmlns:a="http://schemas.openxmlformats.org/drawingml/2006/main" xmlns:r="http://schemas.openxmlformats.org/officeDocument/2006/relationships" xmlns:p="http://schemas.openxmlformats.org/presentationml/2006/main">
   <p:cSld>
     <p:spTree>
@@ -5710,86 +7907,6 @@
     <p:extLst>
       <p:ext uri="{BB962C8B-B14F-4D97-AF65-F5344CB8AC3E}">
         <p14:creationId xmlns:p14="http://schemas.microsoft.com/office/powerpoint/2010/main" val="3753894157"/>
-      </p:ext>
-    </p:extLst>
-  </p:cSld>
-  <p:clrMapOvr>
-    <a:masterClrMapping/>
-  </p:clrMapOvr>
-</p:sld>
-</file>
-
-<file path=ppt/slides/slide8.xml><?xml version="1.0" encoding="utf-8"?>
-<p:sld xmlns:a="http://schemas.openxmlformats.org/drawingml/2006/main" xmlns:r="http://schemas.openxmlformats.org/officeDocument/2006/relationships" xmlns:p="http://schemas.openxmlformats.org/presentationml/2006/main">
-  <p:cSld>
-    <p:bg>
-      <p:bgPr>
-        <a:blipFill dpi="0" rotWithShape="1">
-          <a:blip r:embed="rId2">
-            <a:lum/>
-          </a:blip>
-          <a:srcRect/>
-          <a:stretch>
-            <a:fillRect/>
-          </a:stretch>
-        </a:blipFill>
-        <a:effectLst/>
-      </p:bgPr>
-    </p:bg>
-    <p:spTree>
-      <p:nvGrpSpPr>
-        <p:cNvPr id="1" name=""/>
-        <p:cNvGrpSpPr/>
-        <p:nvPr/>
-      </p:nvGrpSpPr>
-      <p:grpSpPr>
-        <a:xfrm>
-          <a:off x="0" y="0"/>
-          <a:ext cx="0" cy="0"/>
-          <a:chOff x="0" y="0"/>
-          <a:chExt cx="0" cy="0"/>
-        </a:xfrm>
-      </p:grpSpPr>
-      <p:pic>
-        <p:nvPicPr>
-          <p:cNvPr id="2" name="Picture 1">
-            <a:extLst>
-              <a:ext uri="{FF2B5EF4-FFF2-40B4-BE49-F238E27FC236}">
-                <a16:creationId xmlns:a16="http://schemas.microsoft.com/office/drawing/2014/main" id="{D8D629EF-BFC1-7F48-AA7C-3A2B4049B746}"/>
-              </a:ext>
-            </a:extLst>
-          </p:cNvPr>
-          <p:cNvPicPr>
-            <a:picLocks noChangeAspect="1"/>
-          </p:cNvPicPr>
-          <p:nvPr/>
-        </p:nvPicPr>
-        <p:blipFill>
-          <a:blip r:embed="rId3" cstate="print">
-            <a:extLst>
-              <a:ext uri="{28A0092B-C50C-407E-A947-70E740481C1C}">
-                <a14:useLocalDpi xmlns:a14="http://schemas.microsoft.com/office/drawing/2010/main" val="0"/>
-              </a:ext>
-            </a:extLst>
-          </a:blip>
-          <a:stretch>
-            <a:fillRect/>
-          </a:stretch>
-        </p:blipFill>
-        <p:spPr>
-          <a:xfrm>
-            <a:off x="3937952" y="1810190"/>
-            <a:ext cx="2158048" cy="1132976"/>
-          </a:xfrm>
-          <a:prstGeom prst="rect">
-            <a:avLst/>
-          </a:prstGeom>
-        </p:spPr>
-      </p:pic>
-    </p:spTree>
-    <p:extLst>
-      <p:ext uri="{BB962C8B-B14F-4D97-AF65-F5344CB8AC3E}">
-        <p14:creationId xmlns:p14="http://schemas.microsoft.com/office/powerpoint/2010/main" val="2148942003"/>
       </p:ext>
     </p:extLst>
   </p:cSld>
